--- a/DocumentationSource/2019Q301/KPI Metrics Overview.pptx
+++ b/DocumentationSource/2019Q301/KPI Metrics Overview.pptx
@@ -6,31 +6,32 @@
     <p:sldMasterId id="2147483746" r:id="rId2"/>
   </p:sldMasterIdLst>
   <p:notesMasterIdLst>
-    <p:notesMasterId r:id="rId22"/>
+    <p:notesMasterId r:id="rId23"/>
   </p:notesMasterIdLst>
   <p:handoutMasterIdLst>
-    <p:handoutMasterId r:id="rId23"/>
+    <p:handoutMasterId r:id="rId24"/>
   </p:handoutMasterIdLst>
   <p:sldIdLst>
     <p:sldId id="294" r:id="rId3"/>
     <p:sldId id="298" r:id="rId4"/>
-    <p:sldId id="375" r:id="rId5"/>
-    <p:sldId id="361" r:id="rId6"/>
-    <p:sldId id="362" r:id="rId7"/>
-    <p:sldId id="370" r:id="rId8"/>
-    <p:sldId id="380" r:id="rId9"/>
-    <p:sldId id="373" r:id="rId10"/>
-    <p:sldId id="371" r:id="rId11"/>
-    <p:sldId id="381" r:id="rId12"/>
-    <p:sldId id="382" r:id="rId13"/>
-    <p:sldId id="383" r:id="rId14"/>
-    <p:sldId id="385" r:id="rId15"/>
-    <p:sldId id="386" r:id="rId16"/>
-    <p:sldId id="388" r:id="rId17"/>
-    <p:sldId id="387" r:id="rId18"/>
-    <p:sldId id="384" r:id="rId19"/>
-    <p:sldId id="389" r:id="rId20"/>
-    <p:sldId id="268" r:id="rId21"/>
+    <p:sldId id="391" r:id="rId5"/>
+    <p:sldId id="375" r:id="rId6"/>
+    <p:sldId id="361" r:id="rId7"/>
+    <p:sldId id="390" r:id="rId8"/>
+    <p:sldId id="370" r:id="rId9"/>
+    <p:sldId id="380" r:id="rId10"/>
+    <p:sldId id="373" r:id="rId11"/>
+    <p:sldId id="371" r:id="rId12"/>
+    <p:sldId id="381" r:id="rId13"/>
+    <p:sldId id="382" r:id="rId14"/>
+    <p:sldId id="383" r:id="rId15"/>
+    <p:sldId id="385" r:id="rId16"/>
+    <p:sldId id="386" r:id="rId17"/>
+    <p:sldId id="388" r:id="rId18"/>
+    <p:sldId id="387" r:id="rId19"/>
+    <p:sldId id="384" r:id="rId20"/>
+    <p:sldId id="389" r:id="rId21"/>
+    <p:sldId id="268" r:id="rId22"/>
   </p:sldIdLst>
   <p:sldSz cx="9144000" cy="5143500" type="screen16x9"/>
   <p:notesSz cx="6858000" cy="9144000"/>
@@ -136,9 +137,10 @@
           <p14:sldIdLst>
             <p14:sldId id="294"/>
             <p14:sldId id="298"/>
+            <p14:sldId id="391"/>
             <p14:sldId id="375"/>
             <p14:sldId id="361"/>
-            <p14:sldId id="362"/>
+            <p14:sldId id="390"/>
             <p14:sldId id="370"/>
             <p14:sldId id="380"/>
             <p14:sldId id="373"/>
@@ -972,7 +974,7 @@
                 <a:schemeClr val="tx1"/>
               </a:solidFill>
             </a:rPr>
-            <a:t>KPI Metrics Use Case</a:t>
+            <a:t>KPI Metrics Description</a:t>
           </a:r>
         </a:p>
       </dgm:t>
@@ -1015,6 +1017,14 @@
         <a:bodyPr/>
         <a:lstStyle/>
         <a:p>
+          <a:r>
+            <a:rPr lang="en-US">
+              <a:solidFill>
+                <a:srgbClr val="000000"/>
+              </a:solidFill>
+            </a:rPr>
+            <a:t>KPI Metrics Architecture</a:t>
+          </a:r>
           <a:endParaRPr lang="en-US" dirty="0">
             <a:solidFill>
               <a:srgbClr val="000000"/>
@@ -1110,11 +1120,16 @@
           <a:r>
             <a:rPr lang="en-US" dirty="0">
               <a:solidFill>
-                <a:srgbClr val="000000"/>
+                <a:schemeClr val="tx1"/>
               </a:solidFill>
             </a:rPr>
-            <a:t>Out-of-the-Box Metrics Architecture</a:t>
+            <a:t>KPI Metrics Use Case</a:t>
           </a:r>
+          <a:endParaRPr lang="en-US" dirty="0">
+            <a:solidFill>
+              <a:srgbClr val="000000"/>
+            </a:solidFill>
+          </a:endParaRPr>
         </a:p>
       </dgm:t>
     </dgm:pt>
@@ -1162,7 +1177,7 @@
                 <a:srgbClr val="000000"/>
               </a:solidFill>
             </a:rPr>
-            <a:t>KPI Metrics Architecture</a:t>
+            <a:t>Out-of-the-Box Metrics Architecture</a:t>
           </a:r>
         </a:p>
       </dgm:t>
@@ -1663,7 +1678,7 @@
                 <a:schemeClr val="tx1"/>
               </a:solidFill>
             </a:rPr>
-            <a:t>KPI Metrics Use Case</a:t>
+            <a:t>KPI Metrics Description</a:t>
           </a:r>
         </a:p>
       </dsp:txBody>
@@ -1773,11 +1788,16 @@
           <a:r>
             <a:rPr lang="en-US" sz="1900" kern="1200" dirty="0">
               <a:solidFill>
-                <a:srgbClr val="000000"/>
+                <a:schemeClr val="tx1"/>
               </a:solidFill>
             </a:rPr>
-            <a:t>Out-of-the-Box Metrics Architecture</a:t>
+            <a:t>KPI Metrics Use Case</a:t>
           </a:r>
+          <a:endParaRPr lang="en-US" sz="1900" kern="1200" dirty="0">
+            <a:solidFill>
+              <a:srgbClr val="000000"/>
+            </a:solidFill>
+          </a:endParaRPr>
         </a:p>
       </dsp:txBody>
       <dsp:txXfrm>
@@ -1889,7 +1909,7 @@
                 <a:srgbClr val="000000"/>
               </a:solidFill>
             </a:rPr>
-            <a:t>KPI Metrics Architecture</a:t>
+            <a:t>Out-of-the-Box Metrics Architecture</a:t>
           </a:r>
         </a:p>
       </dsp:txBody>
@@ -1996,6 +2016,14 @@
             </a:spcAft>
             <a:buNone/>
           </a:pPr>
+          <a:r>
+            <a:rPr lang="en-US" sz="1900" kern="1200">
+              <a:solidFill>
+                <a:srgbClr val="000000"/>
+              </a:solidFill>
+            </a:rPr>
+            <a:t>KPI Metrics Architecture</a:t>
+          </a:r>
           <a:endParaRPr lang="en-US" sz="1900" kern="1200" dirty="0">
             <a:solidFill>
               <a:srgbClr val="000000"/>
@@ -4778,7 +4806,7 @@
           <a:p>
             <a:fld id="{695CFCAD-1468-454C-9264-D8DC1210038A}" type="datetimeFigureOut">
               <a:rPr lang="en-US" smtClean="0"/>
-              <a:t>8/17/18</a:t>
+              <a:t>9/4/19</a:t>
             </a:fld>
             <a:endParaRPr lang="en-US"/>
           </a:p>
@@ -5165,6 +5193,217 @@
       </p:grpSpPr>
       <p:sp>
         <p:nvSpPr>
+          <p:cNvPr id="62466" name="Rectangle 7"/>
+          <p:cNvSpPr>
+            <a:spLocks noGrp="1" noChangeArrowheads="1"/>
+          </p:cNvSpPr>
+          <p:nvPr>
+            <p:ph type="sldNum" sz="quarter" idx="5"/>
+          </p:nvPr>
+        </p:nvSpPr>
+        <p:spPr>
+          <a:xfrm>
+            <a:off x="3884614" y="8829676"/>
+            <a:ext cx="2971800" cy="465138"/>
+          </a:xfrm>
+          <a:prstGeom prst="rect">
+            <a:avLst/>
+          </a:prstGeom>
+          <a:noFill/>
+        </p:spPr>
+        <p:txBody>
+          <a:bodyPr/>
+          <a:lstStyle>
+            <a:lvl1pPr eaLnBrk="0" hangingPunct="0">
+              <a:defRPr sz="3000">
+                <a:solidFill>
+                  <a:schemeClr val="bg1"/>
+                </a:solidFill>
+                <a:latin typeface="Arial" charset="0"/>
+              </a:defRPr>
+            </a:lvl1pPr>
+            <a:lvl2pPr marL="742950" indent="-285750" eaLnBrk="0" hangingPunct="0">
+              <a:defRPr sz="3000">
+                <a:solidFill>
+                  <a:schemeClr val="bg1"/>
+                </a:solidFill>
+                <a:latin typeface="Arial" charset="0"/>
+              </a:defRPr>
+            </a:lvl2pPr>
+            <a:lvl3pPr marL="1143000" indent="-228600" eaLnBrk="0" hangingPunct="0">
+              <a:defRPr sz="3000">
+                <a:solidFill>
+                  <a:schemeClr val="bg1"/>
+                </a:solidFill>
+                <a:latin typeface="Arial" charset="0"/>
+              </a:defRPr>
+            </a:lvl3pPr>
+            <a:lvl4pPr marL="1600200" indent="-228600" eaLnBrk="0" hangingPunct="0">
+              <a:defRPr sz="3000">
+                <a:solidFill>
+                  <a:schemeClr val="bg1"/>
+                </a:solidFill>
+                <a:latin typeface="Arial" charset="0"/>
+              </a:defRPr>
+            </a:lvl4pPr>
+            <a:lvl5pPr marL="2057400" indent="-228600" eaLnBrk="0" hangingPunct="0">
+              <a:defRPr sz="3000">
+                <a:solidFill>
+                  <a:schemeClr val="bg1"/>
+                </a:solidFill>
+                <a:latin typeface="Arial" charset="0"/>
+              </a:defRPr>
+            </a:lvl5pPr>
+            <a:lvl6pPr marL="2514600" indent="-228600" eaLnBrk="0" fontAlgn="base" hangingPunct="0">
+              <a:spcBef>
+                <a:spcPct val="0"/>
+              </a:spcBef>
+              <a:spcAft>
+                <a:spcPct val="0"/>
+              </a:spcAft>
+              <a:defRPr sz="3000">
+                <a:solidFill>
+                  <a:schemeClr val="bg1"/>
+                </a:solidFill>
+                <a:latin typeface="Arial" charset="0"/>
+              </a:defRPr>
+            </a:lvl6pPr>
+            <a:lvl7pPr marL="2971800" indent="-228600" eaLnBrk="0" fontAlgn="base" hangingPunct="0">
+              <a:spcBef>
+                <a:spcPct val="0"/>
+              </a:spcBef>
+              <a:spcAft>
+                <a:spcPct val="0"/>
+              </a:spcAft>
+              <a:defRPr sz="3000">
+                <a:solidFill>
+                  <a:schemeClr val="bg1"/>
+                </a:solidFill>
+                <a:latin typeface="Arial" charset="0"/>
+              </a:defRPr>
+            </a:lvl7pPr>
+            <a:lvl8pPr marL="3429000" indent="-228600" eaLnBrk="0" fontAlgn="base" hangingPunct="0">
+              <a:spcBef>
+                <a:spcPct val="0"/>
+              </a:spcBef>
+              <a:spcAft>
+                <a:spcPct val="0"/>
+              </a:spcAft>
+              <a:defRPr sz="3000">
+                <a:solidFill>
+                  <a:schemeClr val="bg1"/>
+                </a:solidFill>
+                <a:latin typeface="Arial" charset="0"/>
+              </a:defRPr>
+            </a:lvl8pPr>
+            <a:lvl9pPr marL="3886200" indent="-228600" eaLnBrk="0" fontAlgn="base" hangingPunct="0">
+              <a:spcBef>
+                <a:spcPct val="0"/>
+              </a:spcBef>
+              <a:spcAft>
+                <a:spcPct val="0"/>
+              </a:spcAft>
+              <a:defRPr sz="3000">
+                <a:solidFill>
+                  <a:schemeClr val="bg1"/>
+                </a:solidFill>
+                <a:latin typeface="Arial" charset="0"/>
+              </a:defRPr>
+            </a:lvl9pPr>
+          </a:lstStyle>
+          <a:p>
+            <a:pPr eaLnBrk="1" hangingPunct="1"/>
+            <a:fld id="{6C531FE2-8A98-4BCC-87D2-9D6F6B11B5BD}" type="slidenum">
+              <a:rPr lang="en-US" sz="1200" smtClean="0">
+                <a:solidFill>
+                  <a:schemeClr val="tx1"/>
+                </a:solidFill>
+              </a:rPr>
+              <a:pPr eaLnBrk="1" hangingPunct="1"/>
+              <a:t>10</a:t>
+            </a:fld>
+            <a:endParaRPr lang="en-US" sz="1200">
+              <a:solidFill>
+                <a:schemeClr val="tx1"/>
+              </a:solidFill>
+            </a:endParaRPr>
+          </a:p>
+        </p:txBody>
+      </p:sp>
+      <p:sp>
+        <p:nvSpPr>
+          <p:cNvPr id="62467" name="Rectangle 2"/>
+          <p:cNvSpPr>
+            <a:spLocks noGrp="1" noRot="1" noChangeAspect="1" noChangeArrowheads="1" noTextEdit="1"/>
+          </p:cNvSpPr>
+          <p:nvPr>
+            <p:ph type="sldImg"/>
+          </p:nvPr>
+        </p:nvSpPr>
+        <p:spPr>
+          <a:xfrm>
+            <a:off x="381000" y="385763"/>
+            <a:ext cx="6096000" cy="3429000"/>
+          </a:xfrm>
+          <a:ln/>
+        </p:spPr>
+      </p:sp>
+      <p:sp>
+        <p:nvSpPr>
+          <p:cNvPr id="62468" name="Rectangle 3"/>
+          <p:cNvSpPr>
+            <a:spLocks noGrp="1" noChangeArrowheads="1"/>
+          </p:cNvSpPr>
+          <p:nvPr>
+            <p:ph type="body" idx="1"/>
+          </p:nvPr>
+        </p:nvSpPr>
+        <p:spPr>
+          <a:noFill/>
+        </p:spPr>
+        <p:txBody>
+          <a:bodyPr/>
+          <a:lstStyle/>
+          <a:p>
+            <a:pPr eaLnBrk="1" hangingPunct="1"/>
+            <a:endParaRPr lang="en-US" dirty="0">
+              <a:latin typeface="Arial" charset="0"/>
+            </a:endParaRPr>
+          </a:p>
+        </p:txBody>
+      </p:sp>
+    </p:spTree>
+    <p:extLst>
+      <p:ext uri="{BB962C8B-B14F-4D97-AF65-F5344CB8AC3E}">
+        <p14:creationId xmlns:p14="http://schemas.microsoft.com/office/powerpoint/2010/main" val="1552199473"/>
+      </p:ext>
+    </p:extLst>
+  </p:cSld>
+  <p:clrMapOvr>
+    <a:masterClrMapping/>
+  </p:clrMapOvr>
+</p:notes>
+</file>
+
+<file path=ppt/notesSlides/notesSlide11.xml><?xml version="1.0" encoding="utf-8"?>
+<p:notes xmlns:a="http://schemas.openxmlformats.org/drawingml/2006/main" xmlns:r="http://schemas.openxmlformats.org/officeDocument/2006/relationships" xmlns:p="http://schemas.openxmlformats.org/presentationml/2006/main">
+  <p:cSld>
+    <p:spTree>
+      <p:nvGrpSpPr>
+        <p:cNvPr id="1" name=""/>
+        <p:cNvGrpSpPr/>
+        <p:nvPr/>
+      </p:nvGrpSpPr>
+      <p:grpSpPr>
+        <a:xfrm>
+          <a:off x="0" y="0"/>
+          <a:ext cx="0" cy="0"/>
+          <a:chOff x="0" y="0"/>
+          <a:chExt cx="0" cy="0"/>
+        </a:xfrm>
+      </p:grpSpPr>
+      <p:sp>
+        <p:nvSpPr>
           <p:cNvPr id="2" name="Slide Image Placeholder 1"/>
           <p:cNvSpPr>
             <a:spLocks noGrp="1" noRot="1" noChangeAspect="1"/>
@@ -5236,7 +5475,7 @@
             <a:fld id="{F246E544-6F9D-0145-A490-5CD892F720DC}" type="slidenum">
               <a:rPr lang="en-US" smtClean="0"/>
               <a:pPr/>
-              <a:t>10</a:t>
+              <a:t>11</a:t>
             </a:fld>
             <a:endParaRPr lang="en-US" dirty="0"/>
           </a:p>
@@ -5246,217 +5485,6 @@
     <p:extLst>
       <p:ext uri="{BB962C8B-B14F-4D97-AF65-F5344CB8AC3E}">
         <p14:creationId xmlns:p14="http://schemas.microsoft.com/office/powerpoint/2010/main" val="880054314"/>
-      </p:ext>
-    </p:extLst>
-  </p:cSld>
-  <p:clrMapOvr>
-    <a:masterClrMapping/>
-  </p:clrMapOvr>
-</p:notes>
-</file>
-
-<file path=ppt/notesSlides/notesSlide11.xml><?xml version="1.0" encoding="utf-8"?>
-<p:notes xmlns:a="http://schemas.openxmlformats.org/drawingml/2006/main" xmlns:r="http://schemas.openxmlformats.org/officeDocument/2006/relationships" xmlns:p="http://schemas.openxmlformats.org/presentationml/2006/main">
-  <p:cSld>
-    <p:spTree>
-      <p:nvGrpSpPr>
-        <p:cNvPr id="1" name=""/>
-        <p:cNvGrpSpPr/>
-        <p:nvPr/>
-      </p:nvGrpSpPr>
-      <p:grpSpPr>
-        <a:xfrm>
-          <a:off x="0" y="0"/>
-          <a:ext cx="0" cy="0"/>
-          <a:chOff x="0" y="0"/>
-          <a:chExt cx="0" cy="0"/>
-        </a:xfrm>
-      </p:grpSpPr>
-      <p:sp>
-        <p:nvSpPr>
-          <p:cNvPr id="43010" name="Rectangle 7"/>
-          <p:cNvSpPr>
-            <a:spLocks noGrp="1" noChangeArrowheads="1"/>
-          </p:cNvSpPr>
-          <p:nvPr>
-            <p:ph type="sldNum" sz="quarter" idx="5"/>
-          </p:nvPr>
-        </p:nvSpPr>
-        <p:spPr>
-          <a:xfrm>
-            <a:off x="3884614" y="8829676"/>
-            <a:ext cx="2971800" cy="465138"/>
-          </a:xfrm>
-          <a:prstGeom prst="rect">
-            <a:avLst/>
-          </a:prstGeom>
-          <a:noFill/>
-        </p:spPr>
-        <p:txBody>
-          <a:bodyPr/>
-          <a:lstStyle>
-            <a:lvl1pPr eaLnBrk="0" hangingPunct="0">
-              <a:defRPr sz="3000">
-                <a:solidFill>
-                  <a:schemeClr val="bg1"/>
-                </a:solidFill>
-                <a:latin typeface="Arial" charset="0"/>
-              </a:defRPr>
-            </a:lvl1pPr>
-            <a:lvl2pPr marL="742950" indent="-285750" eaLnBrk="0" hangingPunct="0">
-              <a:defRPr sz="3000">
-                <a:solidFill>
-                  <a:schemeClr val="bg1"/>
-                </a:solidFill>
-                <a:latin typeface="Arial" charset="0"/>
-              </a:defRPr>
-            </a:lvl2pPr>
-            <a:lvl3pPr marL="1143000" indent="-228600" eaLnBrk="0" hangingPunct="0">
-              <a:defRPr sz="3000">
-                <a:solidFill>
-                  <a:schemeClr val="bg1"/>
-                </a:solidFill>
-                <a:latin typeface="Arial" charset="0"/>
-              </a:defRPr>
-            </a:lvl3pPr>
-            <a:lvl4pPr marL="1600200" indent="-228600" eaLnBrk="0" hangingPunct="0">
-              <a:defRPr sz="3000">
-                <a:solidFill>
-                  <a:schemeClr val="bg1"/>
-                </a:solidFill>
-                <a:latin typeface="Arial" charset="0"/>
-              </a:defRPr>
-            </a:lvl4pPr>
-            <a:lvl5pPr marL="2057400" indent="-228600" eaLnBrk="0" hangingPunct="0">
-              <a:defRPr sz="3000">
-                <a:solidFill>
-                  <a:schemeClr val="bg1"/>
-                </a:solidFill>
-                <a:latin typeface="Arial" charset="0"/>
-              </a:defRPr>
-            </a:lvl5pPr>
-            <a:lvl6pPr marL="2514600" indent="-228600" eaLnBrk="0" fontAlgn="base" hangingPunct="0">
-              <a:spcBef>
-                <a:spcPct val="0"/>
-              </a:spcBef>
-              <a:spcAft>
-                <a:spcPct val="0"/>
-              </a:spcAft>
-              <a:defRPr sz="3000">
-                <a:solidFill>
-                  <a:schemeClr val="bg1"/>
-                </a:solidFill>
-                <a:latin typeface="Arial" charset="0"/>
-              </a:defRPr>
-            </a:lvl6pPr>
-            <a:lvl7pPr marL="2971800" indent="-228600" eaLnBrk="0" fontAlgn="base" hangingPunct="0">
-              <a:spcBef>
-                <a:spcPct val="0"/>
-              </a:spcBef>
-              <a:spcAft>
-                <a:spcPct val="0"/>
-              </a:spcAft>
-              <a:defRPr sz="3000">
-                <a:solidFill>
-                  <a:schemeClr val="bg1"/>
-                </a:solidFill>
-                <a:latin typeface="Arial" charset="0"/>
-              </a:defRPr>
-            </a:lvl7pPr>
-            <a:lvl8pPr marL="3429000" indent="-228600" eaLnBrk="0" fontAlgn="base" hangingPunct="0">
-              <a:spcBef>
-                <a:spcPct val="0"/>
-              </a:spcBef>
-              <a:spcAft>
-                <a:spcPct val="0"/>
-              </a:spcAft>
-              <a:defRPr sz="3000">
-                <a:solidFill>
-                  <a:schemeClr val="bg1"/>
-                </a:solidFill>
-                <a:latin typeface="Arial" charset="0"/>
-              </a:defRPr>
-            </a:lvl8pPr>
-            <a:lvl9pPr marL="3886200" indent="-228600" eaLnBrk="0" fontAlgn="base" hangingPunct="0">
-              <a:spcBef>
-                <a:spcPct val="0"/>
-              </a:spcBef>
-              <a:spcAft>
-                <a:spcPct val="0"/>
-              </a:spcAft>
-              <a:defRPr sz="3000">
-                <a:solidFill>
-                  <a:schemeClr val="bg1"/>
-                </a:solidFill>
-                <a:latin typeface="Arial" charset="0"/>
-              </a:defRPr>
-            </a:lvl9pPr>
-          </a:lstStyle>
-          <a:p>
-            <a:pPr eaLnBrk="1" hangingPunct="1"/>
-            <a:fld id="{2A2B742B-ED05-499D-B17B-CABA42ABA4F2}" type="slidenum">
-              <a:rPr lang="en-US" sz="1200" smtClean="0">
-                <a:solidFill>
-                  <a:schemeClr val="tx1"/>
-                </a:solidFill>
-              </a:rPr>
-              <a:pPr eaLnBrk="1" hangingPunct="1"/>
-              <a:t>11</a:t>
-            </a:fld>
-            <a:endParaRPr lang="en-US" sz="1200">
-              <a:solidFill>
-                <a:schemeClr val="tx1"/>
-              </a:solidFill>
-            </a:endParaRPr>
-          </a:p>
-        </p:txBody>
-      </p:sp>
-      <p:sp>
-        <p:nvSpPr>
-          <p:cNvPr id="43011" name="Rectangle 2"/>
-          <p:cNvSpPr>
-            <a:spLocks noGrp="1" noRot="1" noChangeAspect="1" noChangeArrowheads="1" noTextEdit="1"/>
-          </p:cNvSpPr>
-          <p:nvPr>
-            <p:ph type="sldImg"/>
-          </p:nvPr>
-        </p:nvSpPr>
-        <p:spPr>
-          <a:xfrm>
-            <a:off x="381000" y="385763"/>
-            <a:ext cx="6096000" cy="3429000"/>
-          </a:xfrm>
-          <a:ln/>
-        </p:spPr>
-      </p:sp>
-      <p:sp>
-        <p:nvSpPr>
-          <p:cNvPr id="43012" name="Rectangle 3"/>
-          <p:cNvSpPr>
-            <a:spLocks noGrp="1" noChangeArrowheads="1"/>
-          </p:cNvSpPr>
-          <p:nvPr>
-            <p:ph type="body" idx="1"/>
-          </p:nvPr>
-        </p:nvSpPr>
-        <p:spPr>
-          <a:noFill/>
-        </p:spPr>
-        <p:txBody>
-          <a:bodyPr/>
-          <a:lstStyle/>
-          <a:p>
-            <a:pPr marL="228600" indent="-228600" eaLnBrk="1" hangingPunct="1"/>
-            <a:endParaRPr lang="en-US" dirty="0">
-              <a:latin typeface="Arial" charset="0"/>
-            </a:endParaRPr>
-          </a:p>
-        </p:txBody>
-      </p:sp>
-    </p:spTree>
-    <p:extLst>
-      <p:ext uri="{BB962C8B-B14F-4D97-AF65-F5344CB8AC3E}">
-        <p14:creationId xmlns:p14="http://schemas.microsoft.com/office/powerpoint/2010/main" val="111758756"/>
       </p:ext>
     </p:extLst>
   </p:cSld>
@@ -5667,7 +5695,7 @@
     </p:spTree>
     <p:extLst>
       <p:ext uri="{BB962C8B-B14F-4D97-AF65-F5344CB8AC3E}">
-        <p14:creationId xmlns:p14="http://schemas.microsoft.com/office/powerpoint/2010/main" val="1147091561"/>
+        <p14:creationId xmlns:p14="http://schemas.microsoft.com/office/powerpoint/2010/main" val="111758756"/>
       </p:ext>
     </p:extLst>
   </p:cSld>
@@ -5696,7 +5724,7 @@
       </p:grpSpPr>
       <p:sp>
         <p:nvSpPr>
-          <p:cNvPr id="62466" name="Rectangle 7"/>
+          <p:cNvPr id="43010" name="Rectangle 7"/>
           <p:cNvSpPr>
             <a:spLocks noGrp="1" noChangeArrowheads="1"/>
           </p:cNvSpPr>
@@ -5816,7 +5844,7 @@
           </a:lstStyle>
           <a:p>
             <a:pPr eaLnBrk="1" hangingPunct="1"/>
-            <a:fld id="{6C531FE2-8A98-4BCC-87D2-9D6F6B11B5BD}" type="slidenum">
+            <a:fld id="{2A2B742B-ED05-499D-B17B-CABA42ABA4F2}" type="slidenum">
               <a:rPr lang="en-US" sz="1200" smtClean="0">
                 <a:solidFill>
                   <a:schemeClr val="tx1"/>
@@ -5835,7 +5863,7 @@
       </p:sp>
       <p:sp>
         <p:nvSpPr>
-          <p:cNvPr id="62467" name="Rectangle 2"/>
+          <p:cNvPr id="43011" name="Rectangle 2"/>
           <p:cNvSpPr>
             <a:spLocks noGrp="1" noRot="1" noChangeAspect="1" noChangeArrowheads="1" noTextEdit="1"/>
           </p:cNvSpPr>
@@ -5853,7 +5881,7 @@
       </p:sp>
       <p:sp>
         <p:nvSpPr>
-          <p:cNvPr id="62468" name="Rectangle 3"/>
+          <p:cNvPr id="43012" name="Rectangle 3"/>
           <p:cNvSpPr>
             <a:spLocks noGrp="1" noChangeArrowheads="1"/>
           </p:cNvSpPr>
@@ -5868,7 +5896,7 @@
           <a:bodyPr/>
           <a:lstStyle/>
           <a:p>
-            <a:pPr eaLnBrk="1" hangingPunct="1"/>
+            <a:pPr marL="228600" indent="-228600" eaLnBrk="1" hangingPunct="1"/>
             <a:endParaRPr lang="en-US" dirty="0">
               <a:latin typeface="Arial" charset="0"/>
             </a:endParaRPr>
@@ -5878,7 +5906,7 @@
     </p:spTree>
     <p:extLst>
       <p:ext uri="{BB962C8B-B14F-4D97-AF65-F5344CB8AC3E}">
-        <p14:creationId xmlns:p14="http://schemas.microsoft.com/office/powerpoint/2010/main" val="853997824"/>
+        <p14:creationId xmlns:p14="http://schemas.microsoft.com/office/powerpoint/2010/main" val="1147091561"/>
       </p:ext>
     </p:extLst>
   </p:cSld>
@@ -6089,7 +6117,7 @@
     </p:spTree>
     <p:extLst>
       <p:ext uri="{BB962C8B-B14F-4D97-AF65-F5344CB8AC3E}">
-        <p14:creationId xmlns:p14="http://schemas.microsoft.com/office/powerpoint/2010/main" val="1451311027"/>
+        <p14:creationId xmlns:p14="http://schemas.microsoft.com/office/powerpoint/2010/main" val="853997824"/>
       </p:ext>
     </p:extLst>
   </p:cSld>
@@ -6300,7 +6328,7 @@
     </p:spTree>
     <p:extLst>
       <p:ext uri="{BB962C8B-B14F-4D97-AF65-F5344CB8AC3E}">
-        <p14:creationId xmlns:p14="http://schemas.microsoft.com/office/powerpoint/2010/main" val="888249640"/>
+        <p14:creationId xmlns:p14="http://schemas.microsoft.com/office/powerpoint/2010/main" val="1451311027"/>
       </p:ext>
     </p:extLst>
   </p:cSld>
@@ -6511,7 +6539,7 @@
     </p:spTree>
     <p:extLst>
       <p:ext uri="{BB962C8B-B14F-4D97-AF65-F5344CB8AC3E}">
-        <p14:creationId xmlns:p14="http://schemas.microsoft.com/office/powerpoint/2010/main" val="857634149"/>
+        <p14:creationId xmlns:p14="http://schemas.microsoft.com/office/powerpoint/2010/main" val="888249640"/>
       </p:ext>
     </p:extLst>
   </p:cSld>
@@ -6540,7 +6568,7 @@
       </p:grpSpPr>
       <p:sp>
         <p:nvSpPr>
-          <p:cNvPr id="43010" name="Rectangle 7"/>
+          <p:cNvPr id="62466" name="Rectangle 7"/>
           <p:cNvSpPr>
             <a:spLocks noGrp="1" noChangeArrowheads="1"/>
           </p:cNvSpPr>
@@ -6660,7 +6688,7 @@
           </a:lstStyle>
           <a:p>
             <a:pPr eaLnBrk="1" hangingPunct="1"/>
-            <a:fld id="{2A2B742B-ED05-499D-B17B-CABA42ABA4F2}" type="slidenum">
+            <a:fld id="{6C531FE2-8A98-4BCC-87D2-9D6F6B11B5BD}" type="slidenum">
               <a:rPr lang="en-US" sz="1200" smtClean="0">
                 <a:solidFill>
                   <a:schemeClr val="tx1"/>
@@ -6679,7 +6707,7 @@
       </p:sp>
       <p:sp>
         <p:nvSpPr>
-          <p:cNvPr id="43011" name="Rectangle 2"/>
+          <p:cNvPr id="62467" name="Rectangle 2"/>
           <p:cNvSpPr>
             <a:spLocks noGrp="1" noRot="1" noChangeAspect="1" noChangeArrowheads="1" noTextEdit="1"/>
           </p:cNvSpPr>
@@ -6697,7 +6725,7 @@
       </p:sp>
       <p:sp>
         <p:nvSpPr>
-          <p:cNvPr id="43012" name="Rectangle 3"/>
+          <p:cNvPr id="62468" name="Rectangle 3"/>
           <p:cNvSpPr>
             <a:spLocks noGrp="1" noChangeArrowheads="1"/>
           </p:cNvSpPr>
@@ -6712,7 +6740,7 @@
           <a:bodyPr/>
           <a:lstStyle/>
           <a:p>
-            <a:pPr marL="228600" indent="-228600" eaLnBrk="1" hangingPunct="1"/>
+            <a:pPr eaLnBrk="1" hangingPunct="1"/>
             <a:endParaRPr lang="en-US" dirty="0">
               <a:latin typeface="Arial" charset="0"/>
             </a:endParaRPr>
@@ -6722,7 +6750,7 @@
     </p:spTree>
     <p:extLst>
       <p:ext uri="{BB962C8B-B14F-4D97-AF65-F5344CB8AC3E}">
-        <p14:creationId xmlns:p14="http://schemas.microsoft.com/office/powerpoint/2010/main" val="1614179807"/>
+        <p14:creationId xmlns:p14="http://schemas.microsoft.com/office/powerpoint/2010/main" val="857634149"/>
       </p:ext>
     </p:extLst>
   </p:cSld>
@@ -6924,19 +6952,16 @@
           <a:lstStyle/>
           <a:p>
             <a:pPr marL="228600" indent="-228600" eaLnBrk="1" hangingPunct="1"/>
-            <a:r>
-              <a:rPr lang="en-US" dirty="0">
-                <a:latin typeface="Arial" charset="0"/>
-              </a:rPr>
-              <a:t>Staging tables are used to perform all of the necessary insert/update/delete operations for the three collection tables prior to inserting into the data mart history tables.   This should be faster since the collection and staging tables should have a lot smaller data set than the history tables.   It is also more efficient to perform simple inserts into the history table once all of the data is prepared in the staging tables.</a:t>
-            </a:r>
+            <a:endParaRPr lang="en-US" dirty="0">
+              <a:latin typeface="Arial" charset="0"/>
+            </a:endParaRPr>
           </a:p>
         </p:txBody>
       </p:sp>
     </p:spTree>
     <p:extLst>
       <p:ext uri="{BB962C8B-B14F-4D97-AF65-F5344CB8AC3E}">
-        <p14:creationId xmlns:p14="http://schemas.microsoft.com/office/powerpoint/2010/main" val="146217789"/>
+        <p14:creationId xmlns:p14="http://schemas.microsoft.com/office/powerpoint/2010/main" val="1614179807"/>
       </p:ext>
     </p:extLst>
   </p:cSld>
@@ -6965,39 +6990,192 @@
       </p:grpSpPr>
       <p:sp>
         <p:nvSpPr>
-          <p:cNvPr id="2" name="Slide Image Placeholder 1"/>
+          <p:cNvPr id="43010" name="Rectangle 7"/>
           <p:cNvSpPr>
-            <a:spLocks noGrp="1" noRot="1" noChangeAspect="1"/>
+            <a:spLocks noGrp="1" noChangeArrowheads="1"/>
+          </p:cNvSpPr>
+          <p:nvPr>
+            <p:ph type="sldNum" sz="quarter" idx="5"/>
+          </p:nvPr>
+        </p:nvSpPr>
+        <p:spPr>
+          <a:xfrm>
+            <a:off x="3884614" y="8829676"/>
+            <a:ext cx="2971800" cy="465138"/>
+          </a:xfrm>
+          <a:prstGeom prst="rect">
+            <a:avLst/>
+          </a:prstGeom>
+          <a:noFill/>
+        </p:spPr>
+        <p:txBody>
+          <a:bodyPr/>
+          <a:lstStyle>
+            <a:lvl1pPr eaLnBrk="0" hangingPunct="0">
+              <a:defRPr sz="3000">
+                <a:solidFill>
+                  <a:schemeClr val="bg1"/>
+                </a:solidFill>
+                <a:latin typeface="Arial" charset="0"/>
+              </a:defRPr>
+            </a:lvl1pPr>
+            <a:lvl2pPr marL="742950" indent="-285750" eaLnBrk="0" hangingPunct="0">
+              <a:defRPr sz="3000">
+                <a:solidFill>
+                  <a:schemeClr val="bg1"/>
+                </a:solidFill>
+                <a:latin typeface="Arial" charset="0"/>
+              </a:defRPr>
+            </a:lvl2pPr>
+            <a:lvl3pPr marL="1143000" indent="-228600" eaLnBrk="0" hangingPunct="0">
+              <a:defRPr sz="3000">
+                <a:solidFill>
+                  <a:schemeClr val="bg1"/>
+                </a:solidFill>
+                <a:latin typeface="Arial" charset="0"/>
+              </a:defRPr>
+            </a:lvl3pPr>
+            <a:lvl4pPr marL="1600200" indent="-228600" eaLnBrk="0" hangingPunct="0">
+              <a:defRPr sz="3000">
+                <a:solidFill>
+                  <a:schemeClr val="bg1"/>
+                </a:solidFill>
+                <a:latin typeface="Arial" charset="0"/>
+              </a:defRPr>
+            </a:lvl4pPr>
+            <a:lvl5pPr marL="2057400" indent="-228600" eaLnBrk="0" hangingPunct="0">
+              <a:defRPr sz="3000">
+                <a:solidFill>
+                  <a:schemeClr val="bg1"/>
+                </a:solidFill>
+                <a:latin typeface="Arial" charset="0"/>
+              </a:defRPr>
+            </a:lvl5pPr>
+            <a:lvl6pPr marL="2514600" indent="-228600" eaLnBrk="0" fontAlgn="base" hangingPunct="0">
+              <a:spcBef>
+                <a:spcPct val="0"/>
+              </a:spcBef>
+              <a:spcAft>
+                <a:spcPct val="0"/>
+              </a:spcAft>
+              <a:defRPr sz="3000">
+                <a:solidFill>
+                  <a:schemeClr val="bg1"/>
+                </a:solidFill>
+                <a:latin typeface="Arial" charset="0"/>
+              </a:defRPr>
+            </a:lvl6pPr>
+            <a:lvl7pPr marL="2971800" indent="-228600" eaLnBrk="0" fontAlgn="base" hangingPunct="0">
+              <a:spcBef>
+                <a:spcPct val="0"/>
+              </a:spcBef>
+              <a:spcAft>
+                <a:spcPct val="0"/>
+              </a:spcAft>
+              <a:defRPr sz="3000">
+                <a:solidFill>
+                  <a:schemeClr val="bg1"/>
+                </a:solidFill>
+                <a:latin typeface="Arial" charset="0"/>
+              </a:defRPr>
+            </a:lvl7pPr>
+            <a:lvl8pPr marL="3429000" indent="-228600" eaLnBrk="0" fontAlgn="base" hangingPunct="0">
+              <a:spcBef>
+                <a:spcPct val="0"/>
+              </a:spcBef>
+              <a:spcAft>
+                <a:spcPct val="0"/>
+              </a:spcAft>
+              <a:defRPr sz="3000">
+                <a:solidFill>
+                  <a:schemeClr val="bg1"/>
+                </a:solidFill>
+                <a:latin typeface="Arial" charset="0"/>
+              </a:defRPr>
+            </a:lvl8pPr>
+            <a:lvl9pPr marL="3886200" indent="-228600" eaLnBrk="0" fontAlgn="base" hangingPunct="0">
+              <a:spcBef>
+                <a:spcPct val="0"/>
+              </a:spcBef>
+              <a:spcAft>
+                <a:spcPct val="0"/>
+              </a:spcAft>
+              <a:defRPr sz="3000">
+                <a:solidFill>
+                  <a:schemeClr val="bg1"/>
+                </a:solidFill>
+                <a:latin typeface="Arial" charset="0"/>
+              </a:defRPr>
+            </a:lvl9pPr>
+          </a:lstStyle>
+          <a:p>
+            <a:pPr eaLnBrk="1" hangingPunct="1"/>
+            <a:fld id="{2A2B742B-ED05-499D-B17B-CABA42ABA4F2}" type="slidenum">
+              <a:rPr lang="en-US" sz="1200" smtClean="0">
+                <a:solidFill>
+                  <a:schemeClr val="tx1"/>
+                </a:solidFill>
+              </a:rPr>
+              <a:pPr eaLnBrk="1" hangingPunct="1"/>
+              <a:t>19</a:t>
+            </a:fld>
+            <a:endParaRPr lang="en-US" sz="1200">
+              <a:solidFill>
+                <a:schemeClr val="tx1"/>
+              </a:solidFill>
+            </a:endParaRPr>
+          </a:p>
+        </p:txBody>
+      </p:sp>
+      <p:sp>
+        <p:nvSpPr>
+          <p:cNvPr id="43011" name="Rectangle 2"/>
+          <p:cNvSpPr>
+            <a:spLocks noGrp="1" noRot="1" noChangeAspect="1" noChangeArrowheads="1" noTextEdit="1"/>
           </p:cNvSpPr>
           <p:nvPr>
             <p:ph type="sldImg"/>
           </p:nvPr>
         </p:nvSpPr>
-        <p:spPr/>
+        <p:spPr>
+          <a:xfrm>
+            <a:off x="381000" y="385763"/>
+            <a:ext cx="6096000" cy="3429000"/>
+          </a:xfrm>
+          <a:ln/>
+        </p:spPr>
       </p:sp>
       <p:sp>
         <p:nvSpPr>
-          <p:cNvPr id="3" name="Notes Placeholder 2"/>
+          <p:cNvPr id="43012" name="Rectangle 3"/>
           <p:cNvSpPr>
-            <a:spLocks noGrp="1"/>
+            <a:spLocks noGrp="1" noChangeArrowheads="1"/>
           </p:cNvSpPr>
           <p:nvPr>
             <p:ph type="body" idx="1"/>
           </p:nvPr>
         </p:nvSpPr>
-        <p:spPr/>
+        <p:spPr>
+          <a:noFill/>
+        </p:spPr>
         <p:txBody>
           <a:bodyPr/>
           <a:lstStyle/>
           <a:p>
-            <a:endParaRPr lang="en-US" dirty="0"/>
+            <a:pPr marL="228600" indent="-228600" eaLnBrk="1" hangingPunct="1"/>
+            <a:r>
+              <a:rPr lang="en-US" dirty="0">
+                <a:latin typeface="Arial" charset="0"/>
+              </a:rPr>
+              <a:t>Staging tables are used to perform all of the necessary insert/update/delete operations for the three collection tables prior to inserting into the data mart history tables.   This should be faster since the collection and staging tables should have a lot smaller data set than the history tables.   It is also more efficient to perform simple inserts into the history table once all of the data is prepared in the staging tables.</a:t>
+            </a:r>
           </a:p>
         </p:txBody>
       </p:sp>
     </p:spTree>
     <p:extLst>
       <p:ext uri="{BB962C8B-B14F-4D97-AF65-F5344CB8AC3E}">
-        <p14:creationId xmlns:p14="http://schemas.microsoft.com/office/powerpoint/2010/main" val="4115610055"/>
+        <p14:creationId xmlns:p14="http://schemas.microsoft.com/office/powerpoint/2010/main" val="146217789"/>
       </p:ext>
     </p:extLst>
   </p:cSld>
@@ -7073,7 +7251,279 @@
 </p:notes>
 </file>
 
+<file path=ppt/notesSlides/notesSlide20.xml><?xml version="1.0" encoding="utf-8"?>
+<p:notes xmlns:a="http://schemas.openxmlformats.org/drawingml/2006/main" xmlns:r="http://schemas.openxmlformats.org/officeDocument/2006/relationships" xmlns:p="http://schemas.openxmlformats.org/presentationml/2006/main">
+  <p:cSld>
+    <p:spTree>
+      <p:nvGrpSpPr>
+        <p:cNvPr id="1" name=""/>
+        <p:cNvGrpSpPr/>
+        <p:nvPr/>
+      </p:nvGrpSpPr>
+      <p:grpSpPr>
+        <a:xfrm>
+          <a:off x="0" y="0"/>
+          <a:ext cx="0" cy="0"/>
+          <a:chOff x="0" y="0"/>
+          <a:chExt cx="0" cy="0"/>
+        </a:xfrm>
+      </p:grpSpPr>
+      <p:sp>
+        <p:nvSpPr>
+          <p:cNvPr id="2" name="Slide Image Placeholder 1"/>
+          <p:cNvSpPr>
+            <a:spLocks noGrp="1" noRot="1" noChangeAspect="1"/>
+          </p:cNvSpPr>
+          <p:nvPr>
+            <p:ph type="sldImg"/>
+          </p:nvPr>
+        </p:nvSpPr>
+        <p:spPr/>
+      </p:sp>
+      <p:sp>
+        <p:nvSpPr>
+          <p:cNvPr id="3" name="Notes Placeholder 2"/>
+          <p:cNvSpPr>
+            <a:spLocks noGrp="1"/>
+          </p:cNvSpPr>
+          <p:nvPr>
+            <p:ph type="body" idx="1"/>
+          </p:nvPr>
+        </p:nvSpPr>
+        <p:spPr/>
+        <p:txBody>
+          <a:bodyPr/>
+          <a:lstStyle/>
+          <a:p>
+            <a:endParaRPr lang="en-US" dirty="0"/>
+          </a:p>
+        </p:txBody>
+      </p:sp>
+    </p:spTree>
+    <p:extLst>
+      <p:ext uri="{BB962C8B-B14F-4D97-AF65-F5344CB8AC3E}">
+        <p14:creationId xmlns:p14="http://schemas.microsoft.com/office/powerpoint/2010/main" val="4115610055"/>
+      </p:ext>
+    </p:extLst>
+  </p:cSld>
+  <p:clrMapOvr>
+    <a:masterClrMapping/>
+  </p:clrMapOvr>
+</p:notes>
+</file>
+
 <file path=ppt/notesSlides/notesSlide3.xml><?xml version="1.0" encoding="utf-8"?>
+<p:notes xmlns:a="http://schemas.openxmlformats.org/drawingml/2006/main" xmlns:r="http://schemas.openxmlformats.org/officeDocument/2006/relationships" xmlns:p="http://schemas.openxmlformats.org/presentationml/2006/main">
+  <p:cSld>
+    <p:spTree>
+      <p:nvGrpSpPr>
+        <p:cNvPr id="1" name=""/>
+        <p:cNvGrpSpPr/>
+        <p:nvPr/>
+      </p:nvGrpSpPr>
+      <p:grpSpPr>
+        <a:xfrm>
+          <a:off x="0" y="0"/>
+          <a:ext cx="0" cy="0"/>
+          <a:chOff x="0" y="0"/>
+          <a:chExt cx="0" cy="0"/>
+        </a:xfrm>
+      </p:grpSpPr>
+      <p:sp>
+        <p:nvSpPr>
+          <p:cNvPr id="41986" name="Rectangle 7"/>
+          <p:cNvSpPr>
+            <a:spLocks noGrp="1" noChangeArrowheads="1"/>
+          </p:cNvSpPr>
+          <p:nvPr>
+            <p:ph type="sldNum" sz="quarter" idx="5"/>
+          </p:nvPr>
+        </p:nvSpPr>
+        <p:spPr>
+          <a:xfrm>
+            <a:off x="3884614" y="8829676"/>
+            <a:ext cx="2971800" cy="465138"/>
+          </a:xfrm>
+          <a:prstGeom prst="rect">
+            <a:avLst/>
+          </a:prstGeom>
+          <a:noFill/>
+        </p:spPr>
+        <p:txBody>
+          <a:bodyPr/>
+          <a:lstStyle>
+            <a:lvl1pPr eaLnBrk="0" hangingPunct="0">
+              <a:defRPr sz="3000">
+                <a:solidFill>
+                  <a:schemeClr val="bg1"/>
+                </a:solidFill>
+                <a:latin typeface="Arial" charset="0"/>
+              </a:defRPr>
+            </a:lvl1pPr>
+            <a:lvl2pPr marL="742950" indent="-285750" eaLnBrk="0" hangingPunct="0">
+              <a:defRPr sz="3000">
+                <a:solidFill>
+                  <a:schemeClr val="bg1"/>
+                </a:solidFill>
+                <a:latin typeface="Arial" charset="0"/>
+              </a:defRPr>
+            </a:lvl2pPr>
+            <a:lvl3pPr marL="1143000" indent="-228600" eaLnBrk="0" hangingPunct="0">
+              <a:defRPr sz="3000">
+                <a:solidFill>
+                  <a:schemeClr val="bg1"/>
+                </a:solidFill>
+                <a:latin typeface="Arial" charset="0"/>
+              </a:defRPr>
+            </a:lvl3pPr>
+            <a:lvl4pPr marL="1600200" indent="-228600" eaLnBrk="0" hangingPunct="0">
+              <a:defRPr sz="3000">
+                <a:solidFill>
+                  <a:schemeClr val="bg1"/>
+                </a:solidFill>
+                <a:latin typeface="Arial" charset="0"/>
+              </a:defRPr>
+            </a:lvl4pPr>
+            <a:lvl5pPr marL="2057400" indent="-228600" eaLnBrk="0" hangingPunct="0">
+              <a:defRPr sz="3000">
+                <a:solidFill>
+                  <a:schemeClr val="bg1"/>
+                </a:solidFill>
+                <a:latin typeface="Arial" charset="0"/>
+              </a:defRPr>
+            </a:lvl5pPr>
+            <a:lvl6pPr marL="2514600" indent="-228600" eaLnBrk="0" fontAlgn="base" hangingPunct="0">
+              <a:spcBef>
+                <a:spcPct val="0"/>
+              </a:spcBef>
+              <a:spcAft>
+                <a:spcPct val="0"/>
+              </a:spcAft>
+              <a:defRPr sz="3000">
+                <a:solidFill>
+                  <a:schemeClr val="bg1"/>
+                </a:solidFill>
+                <a:latin typeface="Arial" charset="0"/>
+              </a:defRPr>
+            </a:lvl6pPr>
+            <a:lvl7pPr marL="2971800" indent="-228600" eaLnBrk="0" fontAlgn="base" hangingPunct="0">
+              <a:spcBef>
+                <a:spcPct val="0"/>
+              </a:spcBef>
+              <a:spcAft>
+                <a:spcPct val="0"/>
+              </a:spcAft>
+              <a:defRPr sz="3000">
+                <a:solidFill>
+                  <a:schemeClr val="bg1"/>
+                </a:solidFill>
+                <a:latin typeface="Arial" charset="0"/>
+              </a:defRPr>
+            </a:lvl7pPr>
+            <a:lvl8pPr marL="3429000" indent="-228600" eaLnBrk="0" fontAlgn="base" hangingPunct="0">
+              <a:spcBef>
+                <a:spcPct val="0"/>
+              </a:spcBef>
+              <a:spcAft>
+                <a:spcPct val="0"/>
+              </a:spcAft>
+              <a:defRPr sz="3000">
+                <a:solidFill>
+                  <a:schemeClr val="bg1"/>
+                </a:solidFill>
+                <a:latin typeface="Arial" charset="0"/>
+              </a:defRPr>
+            </a:lvl8pPr>
+            <a:lvl9pPr marL="3886200" indent="-228600" eaLnBrk="0" fontAlgn="base" hangingPunct="0">
+              <a:spcBef>
+                <a:spcPct val="0"/>
+              </a:spcBef>
+              <a:spcAft>
+                <a:spcPct val="0"/>
+              </a:spcAft>
+              <a:defRPr sz="3000">
+                <a:solidFill>
+                  <a:schemeClr val="bg1"/>
+                </a:solidFill>
+                <a:latin typeface="Arial" charset="0"/>
+              </a:defRPr>
+            </a:lvl9pPr>
+          </a:lstStyle>
+          <a:p>
+            <a:pPr eaLnBrk="1" hangingPunct="1"/>
+            <a:fld id="{761D3F1F-21DA-4E57-A325-EA5EF39F11D9}" type="slidenum">
+              <a:rPr lang="en-US" sz="1200" smtClean="0">
+                <a:solidFill>
+                  <a:schemeClr val="tx1"/>
+                </a:solidFill>
+              </a:rPr>
+              <a:pPr eaLnBrk="1" hangingPunct="1"/>
+              <a:t>3</a:t>
+            </a:fld>
+            <a:endParaRPr lang="en-US" sz="1200">
+              <a:solidFill>
+                <a:schemeClr val="tx1"/>
+              </a:solidFill>
+            </a:endParaRPr>
+          </a:p>
+        </p:txBody>
+      </p:sp>
+      <p:sp>
+        <p:nvSpPr>
+          <p:cNvPr id="41987" name="Rectangle 2"/>
+          <p:cNvSpPr>
+            <a:spLocks noGrp="1" noRot="1" noChangeAspect="1" noChangeArrowheads="1" noTextEdit="1"/>
+          </p:cNvSpPr>
+          <p:nvPr>
+            <p:ph type="sldImg"/>
+          </p:nvPr>
+        </p:nvSpPr>
+        <p:spPr>
+          <a:xfrm>
+            <a:off x="381000" y="385763"/>
+            <a:ext cx="6096000" cy="3429000"/>
+          </a:xfrm>
+          <a:ln/>
+        </p:spPr>
+      </p:sp>
+      <p:sp>
+        <p:nvSpPr>
+          <p:cNvPr id="41988" name="Rectangle 3"/>
+          <p:cNvSpPr>
+            <a:spLocks noGrp="1" noChangeArrowheads="1"/>
+          </p:cNvSpPr>
+          <p:nvPr>
+            <p:ph type="body" idx="1"/>
+          </p:nvPr>
+        </p:nvSpPr>
+        <p:spPr>
+          <a:noFill/>
+        </p:spPr>
+        <p:txBody>
+          <a:bodyPr/>
+          <a:lstStyle/>
+          <a:p>
+            <a:pPr marL="228600" indent="-228600" eaLnBrk="1" hangingPunct="1"/>
+            <a:endParaRPr lang="en-US" dirty="0">
+              <a:latin typeface="Arial" charset="0"/>
+            </a:endParaRPr>
+          </a:p>
+        </p:txBody>
+      </p:sp>
+    </p:spTree>
+    <p:extLst>
+      <p:ext uri="{BB962C8B-B14F-4D97-AF65-F5344CB8AC3E}">
+        <p14:creationId xmlns:p14="http://schemas.microsoft.com/office/powerpoint/2010/main" val="2067636031"/>
+      </p:ext>
+    </p:extLst>
+  </p:cSld>
+  <p:clrMapOvr>
+    <a:masterClrMapping/>
+  </p:clrMapOvr>
+</p:notes>
+</file>
+
+<file path=ppt/notesSlides/notesSlide4.xml><?xml version="1.0" encoding="utf-8"?>
 <p:notes xmlns:a="http://schemas.openxmlformats.org/drawingml/2006/main" xmlns:r="http://schemas.openxmlformats.org/officeDocument/2006/relationships" xmlns:p="http://schemas.openxmlformats.org/presentationml/2006/main">
   <p:cSld>
     <p:spTree>
@@ -7163,7 +7613,7 @@
             <a:fld id="{F246E544-6F9D-0145-A490-5CD892F720DC}" type="slidenum">
               <a:rPr lang="en-US" smtClean="0"/>
               <a:pPr/>
-              <a:t>3</a:t>
+              <a:t>4</a:t>
             </a:fld>
             <a:endParaRPr lang="en-US" dirty="0"/>
           </a:p>
@@ -7182,7 +7632,7 @@
 </p:notes>
 </file>
 
-<file path=ppt/notesSlides/notesSlide4.xml><?xml version="1.0" encoding="utf-8"?>
+<file path=ppt/notesSlides/notesSlide5.xml><?xml version="1.0" encoding="utf-8"?>
 <p:notes xmlns:a="http://schemas.openxmlformats.org/drawingml/2006/main" xmlns:r="http://schemas.openxmlformats.org/officeDocument/2006/relationships" xmlns:p="http://schemas.openxmlformats.org/presentationml/2006/main">
   <p:cSld>
     <p:spTree>
@@ -7328,7 +7778,7 @@
                 </a:solidFill>
               </a:rPr>
               <a:pPr eaLnBrk="1" hangingPunct="1"/>
-              <a:t>4</a:t>
+              <a:t>5</a:t>
             </a:fld>
             <a:endParaRPr lang="en-US" sz="1200">
               <a:solidFill>
@@ -7393,7 +7843,7 @@
 </p:notes>
 </file>
 
-<file path=ppt/notesSlides/notesSlide5.xml><?xml version="1.0" encoding="utf-8"?>
+<file path=ppt/notesSlides/notesSlide6.xml><?xml version="1.0" encoding="utf-8"?>
 <p:notes xmlns:a="http://schemas.openxmlformats.org/drawingml/2006/main" xmlns:r="http://schemas.openxmlformats.org/officeDocument/2006/relationships" xmlns:p="http://schemas.openxmlformats.org/presentationml/2006/main">
   <p:cSld>
     <p:spTree>
@@ -7539,7 +7989,7 @@
                 </a:solidFill>
               </a:rPr>
               <a:pPr eaLnBrk="1" hangingPunct="1"/>
-              <a:t>5</a:t>
+              <a:t>6</a:t>
             </a:fld>
             <a:endParaRPr lang="en-US" sz="1200">
               <a:solidFill>
@@ -7594,7 +8044,7 @@
     </p:spTree>
     <p:extLst>
       <p:ext uri="{BB962C8B-B14F-4D97-AF65-F5344CB8AC3E}">
-        <p14:creationId xmlns:p14="http://schemas.microsoft.com/office/powerpoint/2010/main" val="87149064"/>
+        <p14:creationId xmlns:p14="http://schemas.microsoft.com/office/powerpoint/2010/main" val="3955935103"/>
       </p:ext>
     </p:extLst>
   </p:cSld>
@@ -7604,7 +8054,7 @@
 </p:notes>
 </file>
 
-<file path=ppt/notesSlides/notesSlide6.xml><?xml version="1.0" encoding="utf-8"?>
+<file path=ppt/notesSlides/notesSlide7.xml><?xml version="1.0" encoding="utf-8"?>
 <p:notes xmlns:a="http://schemas.openxmlformats.org/drawingml/2006/main" xmlns:r="http://schemas.openxmlformats.org/officeDocument/2006/relationships" xmlns:p="http://schemas.openxmlformats.org/presentationml/2006/main">
   <p:cSld>
     <p:spTree>
@@ -7750,7 +8200,7 @@
                 </a:solidFill>
               </a:rPr>
               <a:pPr eaLnBrk="1" hangingPunct="1"/>
-              <a:t>6</a:t>
+              <a:t>7</a:t>
             </a:fld>
             <a:endParaRPr lang="en-US" sz="1200">
               <a:solidFill>
@@ -7815,7 +8265,7 @@
 </p:notes>
 </file>
 
-<file path=ppt/notesSlides/notesSlide7.xml><?xml version="1.0" encoding="utf-8"?>
+<file path=ppt/notesSlides/notesSlide8.xml><?xml version="1.0" encoding="utf-8"?>
 <p:notes xmlns:a="http://schemas.openxmlformats.org/drawingml/2006/main" xmlns:r="http://schemas.openxmlformats.org/officeDocument/2006/relationships" xmlns:p="http://schemas.openxmlformats.org/presentationml/2006/main">
   <p:cSld>
     <p:spTree>
@@ -7905,7 +8355,7 @@
             <a:fld id="{F246E544-6F9D-0145-A490-5CD892F720DC}" type="slidenum">
               <a:rPr lang="en-US" smtClean="0"/>
               <a:pPr/>
-              <a:t>7</a:t>
+              <a:t>8</a:t>
             </a:fld>
             <a:endParaRPr lang="en-US" dirty="0"/>
           </a:p>
@@ -7924,7 +8374,7 @@
 </p:notes>
 </file>
 
-<file path=ppt/notesSlides/notesSlide8.xml><?xml version="1.0" encoding="utf-8"?>
+<file path=ppt/notesSlides/notesSlide9.xml><?xml version="1.0" encoding="utf-8"?>
 <p:notes xmlns:a="http://schemas.openxmlformats.org/drawingml/2006/main" xmlns:r="http://schemas.openxmlformats.org/officeDocument/2006/relationships" xmlns:p="http://schemas.openxmlformats.org/presentationml/2006/main">
   <p:cSld>
     <p:spTree>
@@ -8070,7 +8520,7 @@
                 </a:solidFill>
               </a:rPr>
               <a:pPr eaLnBrk="1" hangingPunct="1"/>
-              <a:t>8</a:t>
+              <a:t>9</a:t>
             </a:fld>
             <a:endParaRPr lang="en-US" sz="1200">
               <a:solidFill>
@@ -8126,217 +8576,6 @@
     <p:extLst>
       <p:ext uri="{BB962C8B-B14F-4D97-AF65-F5344CB8AC3E}">
         <p14:creationId xmlns:p14="http://schemas.microsoft.com/office/powerpoint/2010/main" val="1048651054"/>
-      </p:ext>
-    </p:extLst>
-  </p:cSld>
-  <p:clrMapOvr>
-    <a:masterClrMapping/>
-  </p:clrMapOvr>
-</p:notes>
-</file>
-
-<file path=ppt/notesSlides/notesSlide9.xml><?xml version="1.0" encoding="utf-8"?>
-<p:notes xmlns:a="http://schemas.openxmlformats.org/drawingml/2006/main" xmlns:r="http://schemas.openxmlformats.org/officeDocument/2006/relationships" xmlns:p="http://schemas.openxmlformats.org/presentationml/2006/main">
-  <p:cSld>
-    <p:spTree>
-      <p:nvGrpSpPr>
-        <p:cNvPr id="1" name=""/>
-        <p:cNvGrpSpPr/>
-        <p:nvPr/>
-      </p:nvGrpSpPr>
-      <p:grpSpPr>
-        <a:xfrm>
-          <a:off x="0" y="0"/>
-          <a:ext cx="0" cy="0"/>
-          <a:chOff x="0" y="0"/>
-          <a:chExt cx="0" cy="0"/>
-        </a:xfrm>
-      </p:grpSpPr>
-      <p:sp>
-        <p:nvSpPr>
-          <p:cNvPr id="62466" name="Rectangle 7"/>
-          <p:cNvSpPr>
-            <a:spLocks noGrp="1" noChangeArrowheads="1"/>
-          </p:cNvSpPr>
-          <p:nvPr>
-            <p:ph type="sldNum" sz="quarter" idx="5"/>
-          </p:nvPr>
-        </p:nvSpPr>
-        <p:spPr>
-          <a:xfrm>
-            <a:off x="3884614" y="8829676"/>
-            <a:ext cx="2971800" cy="465138"/>
-          </a:xfrm>
-          <a:prstGeom prst="rect">
-            <a:avLst/>
-          </a:prstGeom>
-          <a:noFill/>
-        </p:spPr>
-        <p:txBody>
-          <a:bodyPr/>
-          <a:lstStyle>
-            <a:lvl1pPr eaLnBrk="0" hangingPunct="0">
-              <a:defRPr sz="3000">
-                <a:solidFill>
-                  <a:schemeClr val="bg1"/>
-                </a:solidFill>
-                <a:latin typeface="Arial" charset="0"/>
-              </a:defRPr>
-            </a:lvl1pPr>
-            <a:lvl2pPr marL="742950" indent="-285750" eaLnBrk="0" hangingPunct="0">
-              <a:defRPr sz="3000">
-                <a:solidFill>
-                  <a:schemeClr val="bg1"/>
-                </a:solidFill>
-                <a:latin typeface="Arial" charset="0"/>
-              </a:defRPr>
-            </a:lvl2pPr>
-            <a:lvl3pPr marL="1143000" indent="-228600" eaLnBrk="0" hangingPunct="0">
-              <a:defRPr sz="3000">
-                <a:solidFill>
-                  <a:schemeClr val="bg1"/>
-                </a:solidFill>
-                <a:latin typeface="Arial" charset="0"/>
-              </a:defRPr>
-            </a:lvl3pPr>
-            <a:lvl4pPr marL="1600200" indent="-228600" eaLnBrk="0" hangingPunct="0">
-              <a:defRPr sz="3000">
-                <a:solidFill>
-                  <a:schemeClr val="bg1"/>
-                </a:solidFill>
-                <a:latin typeface="Arial" charset="0"/>
-              </a:defRPr>
-            </a:lvl4pPr>
-            <a:lvl5pPr marL="2057400" indent="-228600" eaLnBrk="0" hangingPunct="0">
-              <a:defRPr sz="3000">
-                <a:solidFill>
-                  <a:schemeClr val="bg1"/>
-                </a:solidFill>
-                <a:latin typeface="Arial" charset="0"/>
-              </a:defRPr>
-            </a:lvl5pPr>
-            <a:lvl6pPr marL="2514600" indent="-228600" eaLnBrk="0" fontAlgn="base" hangingPunct="0">
-              <a:spcBef>
-                <a:spcPct val="0"/>
-              </a:spcBef>
-              <a:spcAft>
-                <a:spcPct val="0"/>
-              </a:spcAft>
-              <a:defRPr sz="3000">
-                <a:solidFill>
-                  <a:schemeClr val="bg1"/>
-                </a:solidFill>
-                <a:latin typeface="Arial" charset="0"/>
-              </a:defRPr>
-            </a:lvl6pPr>
-            <a:lvl7pPr marL="2971800" indent="-228600" eaLnBrk="0" fontAlgn="base" hangingPunct="0">
-              <a:spcBef>
-                <a:spcPct val="0"/>
-              </a:spcBef>
-              <a:spcAft>
-                <a:spcPct val="0"/>
-              </a:spcAft>
-              <a:defRPr sz="3000">
-                <a:solidFill>
-                  <a:schemeClr val="bg1"/>
-                </a:solidFill>
-                <a:latin typeface="Arial" charset="0"/>
-              </a:defRPr>
-            </a:lvl7pPr>
-            <a:lvl8pPr marL="3429000" indent="-228600" eaLnBrk="0" fontAlgn="base" hangingPunct="0">
-              <a:spcBef>
-                <a:spcPct val="0"/>
-              </a:spcBef>
-              <a:spcAft>
-                <a:spcPct val="0"/>
-              </a:spcAft>
-              <a:defRPr sz="3000">
-                <a:solidFill>
-                  <a:schemeClr val="bg1"/>
-                </a:solidFill>
-                <a:latin typeface="Arial" charset="0"/>
-              </a:defRPr>
-            </a:lvl8pPr>
-            <a:lvl9pPr marL="3886200" indent="-228600" eaLnBrk="0" fontAlgn="base" hangingPunct="0">
-              <a:spcBef>
-                <a:spcPct val="0"/>
-              </a:spcBef>
-              <a:spcAft>
-                <a:spcPct val="0"/>
-              </a:spcAft>
-              <a:defRPr sz="3000">
-                <a:solidFill>
-                  <a:schemeClr val="bg1"/>
-                </a:solidFill>
-                <a:latin typeface="Arial" charset="0"/>
-              </a:defRPr>
-            </a:lvl9pPr>
-          </a:lstStyle>
-          <a:p>
-            <a:pPr eaLnBrk="1" hangingPunct="1"/>
-            <a:fld id="{6C531FE2-8A98-4BCC-87D2-9D6F6B11B5BD}" type="slidenum">
-              <a:rPr lang="en-US" sz="1200" smtClean="0">
-                <a:solidFill>
-                  <a:schemeClr val="tx1"/>
-                </a:solidFill>
-              </a:rPr>
-              <a:pPr eaLnBrk="1" hangingPunct="1"/>
-              <a:t>9</a:t>
-            </a:fld>
-            <a:endParaRPr lang="en-US" sz="1200">
-              <a:solidFill>
-                <a:schemeClr val="tx1"/>
-              </a:solidFill>
-            </a:endParaRPr>
-          </a:p>
-        </p:txBody>
-      </p:sp>
-      <p:sp>
-        <p:nvSpPr>
-          <p:cNvPr id="62467" name="Rectangle 2"/>
-          <p:cNvSpPr>
-            <a:spLocks noGrp="1" noRot="1" noChangeAspect="1" noChangeArrowheads="1" noTextEdit="1"/>
-          </p:cNvSpPr>
-          <p:nvPr>
-            <p:ph type="sldImg"/>
-          </p:nvPr>
-        </p:nvSpPr>
-        <p:spPr>
-          <a:xfrm>
-            <a:off x="381000" y="385763"/>
-            <a:ext cx="6096000" cy="3429000"/>
-          </a:xfrm>
-          <a:ln/>
-        </p:spPr>
-      </p:sp>
-      <p:sp>
-        <p:nvSpPr>
-          <p:cNvPr id="62468" name="Rectangle 3"/>
-          <p:cNvSpPr>
-            <a:spLocks noGrp="1" noChangeArrowheads="1"/>
-          </p:cNvSpPr>
-          <p:nvPr>
-            <p:ph type="body" idx="1"/>
-          </p:nvPr>
-        </p:nvSpPr>
-        <p:spPr>
-          <a:noFill/>
-        </p:spPr>
-        <p:txBody>
-          <a:bodyPr/>
-          <a:lstStyle/>
-          <a:p>
-            <a:pPr eaLnBrk="1" hangingPunct="1"/>
-            <a:endParaRPr lang="en-US" dirty="0">
-              <a:latin typeface="Arial" charset="0"/>
-            </a:endParaRPr>
-          </a:p>
-        </p:txBody>
-      </p:sp>
-    </p:spTree>
-    <p:extLst>
-      <p:ext uri="{BB962C8B-B14F-4D97-AF65-F5344CB8AC3E}">
-        <p14:creationId xmlns:p14="http://schemas.microsoft.com/office/powerpoint/2010/main" val="1552199473"/>
       </p:ext>
     </p:extLst>
   </p:cSld>
@@ -12057,7 +12296,7 @@
           <a:p>
             <a:fld id="{00304EB4-CF6A-424C-A418-10DCB6C4742F}" type="datetime1">
               <a:rPr lang="en-US" smtClean="0"/>
-              <a:t>8/17/18</a:t>
+              <a:t>9/4/19</a:t>
             </a:fld>
             <a:endParaRPr lang="en-US"/>
           </a:p>
@@ -12769,6 +13008,15 @@
               <a:t>KPI Metrics Overview</a:t>
             </a:r>
           </a:p>
+          <a:p>
+            <a:r>
+              <a:rPr lang="en-US" dirty="0"/>
+              <a:t>A TIBCO Open Source Solution</a:t>
+            </a:r>
+          </a:p>
+          <a:p>
+            <a:endParaRPr lang="en-US" sz="2200" dirty="0"/>
+          </a:p>
         </p:txBody>
       </p:sp>
       <p:sp>
@@ -12897,6 +13145,545 @@
       </p:grpSpPr>
       <p:sp>
         <p:nvSpPr>
+          <p:cNvPr id="35843" name="Rectangle 2"/>
+          <p:cNvSpPr>
+            <a:spLocks noGrp="1"/>
+          </p:cNvSpPr>
+          <p:nvPr>
+            <p:ph type="title"/>
+          </p:nvPr>
+        </p:nvSpPr>
+        <p:spPr>
+          <a:xfrm>
+            <a:off x="1401287" y="0"/>
+            <a:ext cx="7410469" cy="689429"/>
+          </a:xfrm>
+        </p:spPr>
+        <p:txBody>
+          <a:bodyPr/>
+          <a:lstStyle/>
+          <a:p>
+            <a:pPr eaLnBrk="1" hangingPunct="1"/>
+            <a:r>
+              <a:rPr lang="en-US" dirty="0">
+                <a:solidFill>
+                  <a:schemeClr val="bg1"/>
+                </a:solidFill>
+              </a:rPr>
+              <a:t>The Basics</a:t>
+            </a:r>
+          </a:p>
+        </p:txBody>
+      </p:sp>
+      <p:sp>
+        <p:nvSpPr>
+          <p:cNvPr id="35844" name="Rectangle 3"/>
+          <p:cNvSpPr>
+            <a:spLocks noGrp="1"/>
+          </p:cNvSpPr>
+          <p:nvPr>
+            <p:ph type="body" idx="1"/>
+          </p:nvPr>
+        </p:nvSpPr>
+        <p:spPr>
+          <a:xfrm>
+            <a:off x="230833" y="767740"/>
+            <a:ext cx="8828500" cy="3838653"/>
+          </a:xfrm>
+        </p:spPr>
+        <p:txBody>
+          <a:bodyPr>
+            <a:noAutofit/>
+          </a:bodyPr>
+          <a:lstStyle/>
+          <a:p>
+            <a:pPr eaLnBrk="1" hangingPunct="1">
+              <a:lnSpc>
+                <a:spcPct val="120000"/>
+              </a:lnSpc>
+              <a:spcBef>
+                <a:spcPct val="0"/>
+              </a:spcBef>
+              <a:buClr>
+                <a:srgbClr val="0070C0"/>
+              </a:buClr>
+            </a:pPr>
+            <a:r>
+              <a:rPr lang="en-US" sz="2000" dirty="0">
+                <a:solidFill>
+                  <a:srgbClr val="043764"/>
+                </a:solidFill>
+              </a:rPr>
+              <a:t>All events including user, administration and internal are logged</a:t>
+            </a:r>
+          </a:p>
+          <a:p>
+            <a:pPr lvl="1" eaLnBrk="1" hangingPunct="1">
+              <a:lnSpc>
+                <a:spcPct val="120000"/>
+              </a:lnSpc>
+              <a:spcBef>
+                <a:spcPct val="0"/>
+              </a:spcBef>
+              <a:buClr>
+                <a:srgbClr val="0070C0"/>
+              </a:buClr>
+              <a:buFont typeface="Courier New" charset="0"/>
+              <a:buChar char="o"/>
+            </a:pPr>
+            <a:r>
+              <a:rPr lang="en-US" sz="1600" dirty="0">
+                <a:solidFill>
+                  <a:srgbClr val="043764"/>
+                </a:solidFill>
+              </a:rPr>
+              <a:t>The more active DV is, the more events are produced resulting in more metrics data.</a:t>
+            </a:r>
+          </a:p>
+          <a:p>
+            <a:pPr lvl="1" eaLnBrk="1" hangingPunct="1">
+              <a:lnSpc>
+                <a:spcPct val="120000"/>
+              </a:lnSpc>
+              <a:spcBef>
+                <a:spcPct val="0"/>
+              </a:spcBef>
+              <a:buClr>
+                <a:srgbClr val="0070C0"/>
+              </a:buClr>
+              <a:buFont typeface="Courier New" charset="0"/>
+              <a:buChar char="o"/>
+            </a:pPr>
+            <a:r>
+              <a:rPr lang="en-US" sz="1600" dirty="0">
+                <a:solidFill>
+                  <a:srgbClr val="043764"/>
+                </a:solidFill>
+              </a:rPr>
+              <a:t>Over time, the database and DV may start to slow down with added data.</a:t>
+            </a:r>
+          </a:p>
+          <a:p>
+            <a:pPr lvl="1" eaLnBrk="1" hangingPunct="1">
+              <a:lnSpc>
+                <a:spcPct val="120000"/>
+              </a:lnSpc>
+              <a:spcBef>
+                <a:spcPct val="0"/>
+              </a:spcBef>
+              <a:buClr>
+                <a:srgbClr val="0070C0"/>
+              </a:buClr>
+              <a:buFont typeface="Courier New" charset="0"/>
+              <a:buChar char="o"/>
+            </a:pPr>
+            <a:r>
+              <a:rPr lang="en-US" sz="1600" dirty="0">
+                <a:solidFill>
+                  <a:srgbClr val="043764"/>
+                </a:solidFill>
+              </a:rPr>
+              <a:t>Indexes will slow down the inserts.</a:t>
+            </a:r>
+          </a:p>
+          <a:p>
+            <a:pPr eaLnBrk="1" hangingPunct="1">
+              <a:lnSpc>
+                <a:spcPct val="120000"/>
+              </a:lnSpc>
+              <a:spcBef>
+                <a:spcPct val="0"/>
+              </a:spcBef>
+              <a:buClr>
+                <a:srgbClr val="0070C0"/>
+              </a:buClr>
+            </a:pPr>
+            <a:r>
+              <a:rPr lang="en-US" sz="2000" dirty="0">
+                <a:solidFill>
+                  <a:srgbClr val="043764"/>
+                </a:solidFill>
+              </a:rPr>
+              <a:t>Purging</a:t>
+            </a:r>
+          </a:p>
+          <a:p>
+            <a:pPr lvl="1" eaLnBrk="1" hangingPunct="1">
+              <a:lnSpc>
+                <a:spcPct val="120000"/>
+              </a:lnSpc>
+              <a:spcBef>
+                <a:spcPct val="0"/>
+              </a:spcBef>
+              <a:buClr>
+                <a:srgbClr val="0070C0"/>
+              </a:buClr>
+              <a:buFont typeface="Courier New" charset="0"/>
+              <a:buChar char="o"/>
+            </a:pPr>
+            <a:r>
+              <a:rPr lang="en-US" sz="1600" dirty="0">
+                <a:solidFill>
+                  <a:srgbClr val="043764"/>
+                </a:solidFill>
+              </a:rPr>
+              <a:t>Purging is based on a “delete statement” which requires database overhead.</a:t>
+            </a:r>
+          </a:p>
+          <a:p>
+            <a:pPr lvl="1" eaLnBrk="1" hangingPunct="1">
+              <a:lnSpc>
+                <a:spcPct val="120000"/>
+              </a:lnSpc>
+              <a:spcBef>
+                <a:spcPct val="0"/>
+              </a:spcBef>
+              <a:buClr>
+                <a:srgbClr val="0070C0"/>
+              </a:buClr>
+              <a:buFont typeface="Courier New" charset="0"/>
+              <a:buChar char="o"/>
+            </a:pPr>
+            <a:r>
+              <a:rPr lang="en-US" sz="1600" dirty="0">
+                <a:solidFill>
+                  <a:srgbClr val="043764"/>
+                </a:solidFill>
+              </a:rPr>
+              <a:t>The more data you have the longer this operation will take.</a:t>
+            </a:r>
+          </a:p>
+          <a:p>
+            <a:pPr lvl="1" eaLnBrk="1" hangingPunct="1">
+              <a:lnSpc>
+                <a:spcPct val="120000"/>
+              </a:lnSpc>
+              <a:spcBef>
+                <a:spcPct val="0"/>
+              </a:spcBef>
+              <a:buClr>
+                <a:srgbClr val="0070C0"/>
+              </a:buClr>
+              <a:buFont typeface="Courier New" charset="0"/>
+              <a:buChar char="o"/>
+            </a:pPr>
+            <a:r>
+              <a:rPr lang="en-US" sz="1600" dirty="0">
+                <a:solidFill>
+                  <a:srgbClr val="043764"/>
+                </a:solidFill>
+              </a:rPr>
+              <a:t>Indexes will slow down the deletes.</a:t>
+            </a:r>
+          </a:p>
+          <a:p>
+            <a:pPr eaLnBrk="1" hangingPunct="1">
+              <a:lnSpc>
+                <a:spcPct val="120000"/>
+              </a:lnSpc>
+              <a:spcBef>
+                <a:spcPct val="0"/>
+              </a:spcBef>
+              <a:buClr>
+                <a:srgbClr val="0070C0"/>
+              </a:buClr>
+            </a:pPr>
+            <a:r>
+              <a:rPr lang="en-US" sz="2000" dirty="0">
+                <a:solidFill>
+                  <a:srgbClr val="043764"/>
+                </a:solidFill>
+              </a:rPr>
+              <a:t>Metrics Backup</a:t>
+            </a:r>
+          </a:p>
+          <a:p>
+            <a:pPr lvl="1" eaLnBrk="1" hangingPunct="1">
+              <a:lnSpc>
+                <a:spcPct val="120000"/>
+              </a:lnSpc>
+              <a:spcBef>
+                <a:spcPct val="0"/>
+              </a:spcBef>
+              <a:buClr>
+                <a:srgbClr val="0070C0"/>
+              </a:buClr>
+              <a:buFont typeface="Courier New" charset="0"/>
+              <a:buChar char="o"/>
+            </a:pPr>
+            <a:r>
+              <a:rPr lang="en-US" sz="1600" dirty="0">
+                <a:solidFill>
+                  <a:srgbClr val="043764"/>
+                </a:solidFill>
+              </a:rPr>
+              <a:t>When metrics is turned on but it is </a:t>
+            </a:r>
+            <a:r>
+              <a:rPr lang="en-US" sz="1600">
+                <a:solidFill>
+                  <a:srgbClr val="043764"/>
+                </a:solidFill>
+              </a:rPr>
+              <a:t>not able </a:t>
+            </a:r>
+            <a:r>
+              <a:rPr lang="en-US" sz="1600" dirty="0">
+                <a:solidFill>
+                  <a:srgbClr val="043764"/>
+                </a:solidFill>
+              </a:rPr>
+              <a:t>to write data to the database is stores the data on the local DV file system in DV_HOME/</a:t>
+            </a:r>
+            <a:r>
+              <a:rPr lang="en-US" sz="1600" dirty="0" err="1">
+                <a:solidFill>
+                  <a:srgbClr val="043764"/>
+                </a:solidFill>
+              </a:rPr>
+              <a:t>tmp</a:t>
+            </a:r>
+            <a:r>
+              <a:rPr lang="en-US" sz="1600" dirty="0">
+                <a:solidFill>
+                  <a:srgbClr val="043764"/>
+                </a:solidFill>
+              </a:rPr>
+              <a:t>/metrics storage</a:t>
+            </a:r>
+          </a:p>
+          <a:p>
+            <a:pPr lvl="1">
+              <a:lnSpc>
+                <a:spcPct val="120000"/>
+              </a:lnSpc>
+              <a:spcBef>
+                <a:spcPct val="0"/>
+              </a:spcBef>
+              <a:buClr>
+                <a:srgbClr val="0070C0"/>
+              </a:buClr>
+              <a:buFont typeface="Courier New" charset="0"/>
+              <a:buChar char="o"/>
+            </a:pPr>
+            <a:r>
+              <a:rPr lang="en-US" sz="1600" dirty="0">
+                <a:solidFill>
+                  <a:srgbClr val="043764"/>
+                </a:solidFill>
+              </a:rPr>
+              <a:t>Once database issues are cleared up, it performs a massive insert from DV_HOME/</a:t>
+            </a:r>
+            <a:r>
+              <a:rPr lang="en-US" sz="1600" dirty="0" err="1">
+                <a:solidFill>
+                  <a:srgbClr val="043764"/>
+                </a:solidFill>
+              </a:rPr>
+              <a:t>tmp</a:t>
+            </a:r>
+            <a:r>
+              <a:rPr lang="en-US" sz="1600" dirty="0">
+                <a:solidFill>
+                  <a:srgbClr val="043764"/>
+                </a:solidFill>
+              </a:rPr>
+              <a:t>/metrics into the database and deletes from the temp storage.</a:t>
+            </a:r>
+          </a:p>
+        </p:txBody>
+      </p:sp>
+      <p:sp>
+        <p:nvSpPr>
+          <p:cNvPr id="4" name="Footer Placeholder 3"/>
+          <p:cNvSpPr txBox="1">
+            <a:spLocks/>
+          </p:cNvSpPr>
+          <p:nvPr/>
+        </p:nvSpPr>
+        <p:spPr>
+          <a:xfrm>
+            <a:off x="3124200" y="4889181"/>
+            <a:ext cx="2895600" cy="273844"/>
+          </a:xfrm>
+          <a:prstGeom prst="rect">
+            <a:avLst/>
+          </a:prstGeom>
+        </p:spPr>
+        <p:txBody>
+          <a:bodyPr/>
+          <a:lstStyle>
+            <a:defPPr>
+              <a:defRPr lang="en-US"/>
+            </a:defPPr>
+            <a:lvl1pPr marL="0" algn="l" defTabSz="408194" rtl="0" eaLnBrk="1" latinLnBrk="0" hangingPunct="1">
+              <a:defRPr sz="1600" kern="1200">
+                <a:solidFill>
+                  <a:schemeClr val="tx1"/>
+                </a:solidFill>
+                <a:latin typeface="+mn-lt"/>
+                <a:ea typeface="+mn-ea"/>
+                <a:cs typeface="+mn-cs"/>
+              </a:defRPr>
+            </a:lvl1pPr>
+            <a:lvl2pPr marL="408194" algn="l" defTabSz="408194" rtl="0" eaLnBrk="1" latinLnBrk="0" hangingPunct="1">
+              <a:defRPr sz="1600" kern="1200">
+                <a:solidFill>
+                  <a:schemeClr val="tx1"/>
+                </a:solidFill>
+                <a:latin typeface="+mn-lt"/>
+                <a:ea typeface="+mn-ea"/>
+                <a:cs typeface="+mn-cs"/>
+              </a:defRPr>
+            </a:lvl2pPr>
+            <a:lvl3pPr marL="816388" algn="l" defTabSz="408194" rtl="0" eaLnBrk="1" latinLnBrk="0" hangingPunct="1">
+              <a:defRPr sz="1600" kern="1200">
+                <a:solidFill>
+                  <a:schemeClr val="tx1"/>
+                </a:solidFill>
+                <a:latin typeface="+mn-lt"/>
+                <a:ea typeface="+mn-ea"/>
+                <a:cs typeface="+mn-cs"/>
+              </a:defRPr>
+            </a:lvl3pPr>
+            <a:lvl4pPr marL="1224582" algn="l" defTabSz="408194" rtl="0" eaLnBrk="1" latinLnBrk="0" hangingPunct="1">
+              <a:defRPr sz="1600" kern="1200">
+                <a:solidFill>
+                  <a:schemeClr val="tx1"/>
+                </a:solidFill>
+                <a:latin typeface="+mn-lt"/>
+                <a:ea typeface="+mn-ea"/>
+                <a:cs typeface="+mn-cs"/>
+              </a:defRPr>
+            </a:lvl4pPr>
+            <a:lvl5pPr marL="1632776" algn="l" defTabSz="408194" rtl="0" eaLnBrk="1" latinLnBrk="0" hangingPunct="1">
+              <a:defRPr sz="1600" kern="1200">
+                <a:solidFill>
+                  <a:schemeClr val="tx1"/>
+                </a:solidFill>
+                <a:latin typeface="+mn-lt"/>
+                <a:ea typeface="+mn-ea"/>
+                <a:cs typeface="+mn-cs"/>
+              </a:defRPr>
+            </a:lvl5pPr>
+            <a:lvl6pPr marL="2040969" algn="l" defTabSz="408194" rtl="0" eaLnBrk="1" latinLnBrk="0" hangingPunct="1">
+              <a:defRPr sz="1600" kern="1200">
+                <a:solidFill>
+                  <a:schemeClr val="tx1"/>
+                </a:solidFill>
+                <a:latin typeface="+mn-lt"/>
+                <a:ea typeface="+mn-ea"/>
+                <a:cs typeface="+mn-cs"/>
+              </a:defRPr>
+            </a:lvl6pPr>
+            <a:lvl7pPr marL="2449163" algn="l" defTabSz="408194" rtl="0" eaLnBrk="1" latinLnBrk="0" hangingPunct="1">
+              <a:defRPr sz="1600" kern="1200">
+                <a:solidFill>
+                  <a:schemeClr val="tx1"/>
+                </a:solidFill>
+                <a:latin typeface="+mn-lt"/>
+                <a:ea typeface="+mn-ea"/>
+                <a:cs typeface="+mn-cs"/>
+              </a:defRPr>
+            </a:lvl7pPr>
+            <a:lvl8pPr marL="2857357" algn="l" defTabSz="408194" rtl="0" eaLnBrk="1" latinLnBrk="0" hangingPunct="1">
+              <a:defRPr sz="1600" kern="1200">
+                <a:solidFill>
+                  <a:schemeClr val="tx1"/>
+                </a:solidFill>
+                <a:latin typeface="+mn-lt"/>
+                <a:ea typeface="+mn-ea"/>
+                <a:cs typeface="+mn-cs"/>
+              </a:defRPr>
+            </a:lvl8pPr>
+            <a:lvl9pPr marL="3265551" algn="l" defTabSz="408194" rtl="0" eaLnBrk="1" latinLnBrk="0" hangingPunct="1">
+              <a:defRPr sz="1600" kern="1200">
+                <a:solidFill>
+                  <a:schemeClr val="tx1"/>
+                </a:solidFill>
+                <a:latin typeface="+mn-lt"/>
+                <a:ea typeface="+mn-ea"/>
+                <a:cs typeface="+mn-cs"/>
+              </a:defRPr>
+            </a:lvl9pPr>
+          </a:lstStyle>
+          <a:p>
+            <a:pPr algn="ctr"/>
+            <a:r>
+              <a:rPr lang="en-US" sz="800" dirty="0">
+                <a:solidFill>
+                  <a:schemeClr val="bg1">
+                    <a:lumMod val="65000"/>
+                  </a:schemeClr>
+                </a:solidFill>
+              </a:rPr>
+              <a:t>© Copyright 2000-</a:t>
+            </a:r>
+            <a:r>
+              <a:rPr lang="is-IS" sz="800">
+                <a:solidFill>
+                  <a:schemeClr val="bg1">
+                    <a:lumMod val="65000"/>
+                  </a:schemeClr>
+                </a:solidFill>
+              </a:rPr>
+              <a:t>2017</a:t>
+            </a:r>
+            <a:r>
+              <a:rPr lang="en-US" sz="800">
+                <a:solidFill>
+                  <a:schemeClr val="bg1">
+                    <a:lumMod val="65000"/>
+                  </a:schemeClr>
+                </a:solidFill>
+              </a:rPr>
+              <a:t> </a:t>
+            </a:r>
+            <a:r>
+              <a:rPr lang="en-US" sz="800" dirty="0">
+                <a:solidFill>
+                  <a:schemeClr val="bg1">
+                    <a:lumMod val="65000"/>
+                  </a:schemeClr>
+                </a:solidFill>
+              </a:rPr>
+              <a:t>TIBCO Software Inc.      </a:t>
+            </a:r>
+          </a:p>
+        </p:txBody>
+      </p:sp>
+    </p:spTree>
+    <p:extLst>
+      <p:ext uri="{BB962C8B-B14F-4D97-AF65-F5344CB8AC3E}">
+        <p14:creationId xmlns:p14="http://schemas.microsoft.com/office/powerpoint/2010/main" val="1345416048"/>
+      </p:ext>
+    </p:extLst>
+  </p:cSld>
+  <p:clrMapOvr>
+    <a:masterClrMapping/>
+  </p:clrMapOvr>
+</p:sld>
+</file>
+
+<file path=ppt/slides/slide11.xml><?xml version="1.0" encoding="utf-8"?>
+<p:sld xmlns:a="http://schemas.openxmlformats.org/drawingml/2006/main" xmlns:r="http://schemas.openxmlformats.org/officeDocument/2006/relationships" xmlns:p="http://schemas.openxmlformats.org/presentationml/2006/main">
+  <p:cSld>
+    <p:spTree>
+      <p:nvGrpSpPr>
+        <p:cNvPr id="1" name=""/>
+        <p:cNvGrpSpPr/>
+        <p:nvPr/>
+      </p:nvGrpSpPr>
+      <p:grpSpPr>
+        <a:xfrm>
+          <a:off x="0" y="0"/>
+          <a:ext cx="0" cy="0"/>
+          <a:chOff x="0" y="0"/>
+          <a:chExt cx="0" cy="0"/>
+        </a:xfrm>
+      </p:grpSpPr>
+      <p:sp>
+        <p:nvSpPr>
           <p:cNvPr id="2" name="Title 1"/>
           <p:cNvSpPr>
             <a:spLocks noGrp="1"/>
@@ -13075,7 +13862,7 @@
 </p:sld>
 </file>
 
-<file path=ppt/slides/slide11.xml><?xml version="1.0" encoding="utf-8"?>
+<file path=ppt/slides/slide12.xml><?xml version="1.0" encoding="utf-8"?>
 <p:sld xmlns:a="http://schemas.openxmlformats.org/drawingml/2006/main" xmlns:r="http://schemas.openxmlformats.org/officeDocument/2006/relationships" xmlns:p="http://schemas.openxmlformats.org/presentationml/2006/main">
   <p:cSld>
     <p:spTree>
@@ -14497,7 +15284,7 @@
 </p:sld>
 </file>
 
-<file path=ppt/slides/slide12.xml><?xml version="1.0" encoding="utf-8"?>
+<file path=ppt/slides/slide13.xml><?xml version="1.0" encoding="utf-8"?>
 <p:sld xmlns:a="http://schemas.openxmlformats.org/drawingml/2006/main" xmlns:r="http://schemas.openxmlformats.org/officeDocument/2006/relationships" xmlns:p="http://schemas.openxmlformats.org/presentationml/2006/main">
   <p:cSld>
     <p:spTree>
@@ -18453,425 +19240,6 @@
 </p:sld>
 </file>
 
-<file path=ppt/slides/slide13.xml><?xml version="1.0" encoding="utf-8"?>
-<p:sld xmlns:a="http://schemas.openxmlformats.org/drawingml/2006/main" xmlns:r="http://schemas.openxmlformats.org/officeDocument/2006/relationships" xmlns:p="http://schemas.openxmlformats.org/presentationml/2006/main">
-  <p:cSld>
-    <p:spTree>
-      <p:nvGrpSpPr>
-        <p:cNvPr id="1" name=""/>
-        <p:cNvGrpSpPr/>
-        <p:nvPr/>
-      </p:nvGrpSpPr>
-      <p:grpSpPr>
-        <a:xfrm>
-          <a:off x="0" y="0"/>
-          <a:ext cx="0" cy="0"/>
-          <a:chOff x="0" y="0"/>
-          <a:chExt cx="0" cy="0"/>
-        </a:xfrm>
-      </p:grpSpPr>
-      <p:sp>
-        <p:nvSpPr>
-          <p:cNvPr id="35843" name="Rectangle 2"/>
-          <p:cNvSpPr>
-            <a:spLocks noGrp="1"/>
-          </p:cNvSpPr>
-          <p:nvPr>
-            <p:ph type="title"/>
-          </p:nvPr>
-        </p:nvSpPr>
-        <p:spPr>
-          <a:xfrm>
-            <a:off x="1401287" y="0"/>
-            <a:ext cx="7410469" cy="689429"/>
-          </a:xfrm>
-        </p:spPr>
-        <p:txBody>
-          <a:bodyPr/>
-          <a:lstStyle/>
-          <a:p>
-            <a:pPr eaLnBrk="1" hangingPunct="1"/>
-            <a:r>
-              <a:rPr lang="en-US" dirty="0">
-                <a:solidFill>
-                  <a:schemeClr val="bg1"/>
-                </a:solidFill>
-              </a:rPr>
-              <a:t>Issues and Solutions</a:t>
-            </a:r>
-          </a:p>
-        </p:txBody>
-      </p:sp>
-      <p:sp>
-        <p:nvSpPr>
-          <p:cNvPr id="35844" name="Rectangle 3"/>
-          <p:cNvSpPr>
-            <a:spLocks noGrp="1"/>
-          </p:cNvSpPr>
-          <p:nvPr>
-            <p:ph type="body" idx="1"/>
-          </p:nvPr>
-        </p:nvSpPr>
-        <p:spPr>
-          <a:xfrm>
-            <a:off x="230833" y="767740"/>
-            <a:ext cx="8828500" cy="3838653"/>
-          </a:xfrm>
-        </p:spPr>
-        <p:txBody>
-          <a:bodyPr>
-            <a:noAutofit/>
-          </a:bodyPr>
-          <a:lstStyle/>
-          <a:p>
-            <a:pPr>
-              <a:buClr>
-                <a:srgbClr val="0070C0"/>
-              </a:buClr>
-            </a:pPr>
-            <a:r>
-              <a:rPr lang="en-US" sz="2000" u="sng" dirty="0">
-                <a:solidFill>
-                  <a:srgbClr val="061C23"/>
-                </a:solidFill>
-              </a:rPr>
-              <a:t>Issue</a:t>
-            </a:r>
-            <a:r>
-              <a:rPr lang="en-US" sz="2000" dirty="0">
-                <a:solidFill>
-                  <a:srgbClr val="061C23"/>
-                </a:solidFill>
-              </a:rPr>
-              <a:t>: Reporting on metrics is very slow with no indexes.</a:t>
-            </a:r>
-          </a:p>
-          <a:p>
-            <a:pPr marL="742950" lvl="1" indent="-285750">
-              <a:buClr>
-                <a:srgbClr val="0070C0"/>
-              </a:buClr>
-              <a:buFont typeface="Courier New" charset="0"/>
-              <a:buChar char="o"/>
-            </a:pPr>
-            <a:r>
-              <a:rPr lang="en-US" sz="1800" u="sng" dirty="0">
-                <a:solidFill>
-                  <a:srgbClr val="061C23"/>
-                </a:solidFill>
-              </a:rPr>
-              <a:t>Solution</a:t>
-            </a:r>
-            <a:r>
-              <a:rPr lang="en-US" sz="1800" dirty="0">
-                <a:solidFill>
-                  <a:srgbClr val="061C23"/>
-                </a:solidFill>
-              </a:rPr>
-              <a:t>: Create reporting tables in the same database which contain indexes.</a:t>
-            </a:r>
-          </a:p>
-          <a:p>
-            <a:pPr marL="742950" lvl="1" indent="-285750">
-              <a:buClr>
-                <a:srgbClr val="0070C0"/>
-              </a:buClr>
-              <a:buFont typeface="Courier New" charset="0"/>
-              <a:buChar char="o"/>
-            </a:pPr>
-            <a:r>
-              <a:rPr lang="en-US" sz="1800" dirty="0">
-                <a:solidFill>
-                  <a:srgbClr val="061C23"/>
-                </a:solidFill>
-              </a:rPr>
-              <a:t>Use a trigger to capture new data inserted into main “data warehouse” metrics tables.</a:t>
-            </a:r>
-          </a:p>
-          <a:p>
-            <a:pPr marL="742950" lvl="1" indent="-285750">
-              <a:buClr>
-                <a:srgbClr val="0070C0"/>
-              </a:buClr>
-              <a:buFont typeface="Courier New" charset="0"/>
-              <a:buChar char="o"/>
-            </a:pPr>
-            <a:r>
-              <a:rPr lang="en-US" sz="1800" dirty="0">
-                <a:solidFill>
-                  <a:srgbClr val="061C23"/>
-                </a:solidFill>
-              </a:rPr>
-              <a:t>Combine node 1 and node 2 data for reporting.</a:t>
-            </a:r>
-          </a:p>
-          <a:p>
-            <a:pPr>
-              <a:buClr>
-                <a:srgbClr val="0070C0"/>
-              </a:buClr>
-            </a:pPr>
-            <a:r>
-              <a:rPr lang="en-US" sz="2000" u="sng" dirty="0">
-                <a:solidFill>
-                  <a:srgbClr val="061C23"/>
-                </a:solidFill>
-              </a:rPr>
-              <a:t>Issue</a:t>
-            </a:r>
-            <a:r>
-              <a:rPr lang="en-US" sz="2000" dirty="0">
-                <a:solidFill>
-                  <a:srgbClr val="061C23"/>
-                </a:solidFill>
-              </a:rPr>
-              <a:t>: Ability to quickly prune 1 month of data at a time.</a:t>
-            </a:r>
-          </a:p>
-          <a:p>
-            <a:pPr marL="742950" lvl="1" indent="-285750">
-              <a:buClr>
-                <a:srgbClr val="0070C0"/>
-              </a:buClr>
-              <a:buFont typeface="Courier New" charset="0"/>
-              <a:buChar char="o"/>
-            </a:pPr>
-            <a:r>
-              <a:rPr lang="en-US" sz="1800" u="sng" dirty="0">
-                <a:solidFill>
-                  <a:srgbClr val="061C23"/>
-                </a:solidFill>
-              </a:rPr>
-              <a:t>Solution</a:t>
-            </a:r>
-            <a:r>
-              <a:rPr lang="en-US" sz="1800" dirty="0">
-                <a:solidFill>
-                  <a:srgbClr val="061C23"/>
-                </a:solidFill>
-              </a:rPr>
-              <a:t>: Create partitions based on month that can be easily created and dropped.  A dropped partition represents a purge of 1 month of data.</a:t>
-            </a:r>
-          </a:p>
-          <a:p>
-            <a:pPr marL="742950" lvl="1" indent="-285750">
-              <a:buClr>
-                <a:srgbClr val="0070C0"/>
-              </a:buClr>
-              <a:buFont typeface="Courier New" charset="0"/>
-              <a:buChar char="o"/>
-            </a:pPr>
-            <a:r>
-              <a:rPr lang="en-US" sz="1800" dirty="0">
-                <a:solidFill>
-                  <a:srgbClr val="061C23"/>
-                </a:solidFill>
-              </a:rPr>
-              <a:t>Standard data mart practice to partition large sets of data based on a timestamp like “</a:t>
-            </a:r>
-            <a:r>
-              <a:rPr lang="en-US" sz="1800" dirty="0" err="1">
-                <a:solidFill>
-                  <a:srgbClr val="061C23"/>
-                </a:solidFill>
-              </a:rPr>
-              <a:t>starttime</a:t>
-            </a:r>
-            <a:r>
-              <a:rPr lang="en-US" sz="1800" dirty="0">
-                <a:solidFill>
-                  <a:srgbClr val="061C23"/>
-                </a:solidFill>
-              </a:rPr>
-              <a:t>”.</a:t>
-            </a:r>
-          </a:p>
-        </p:txBody>
-      </p:sp>
-      <p:sp>
-        <p:nvSpPr>
-          <p:cNvPr id="4" name="Footer Placeholder 3"/>
-          <p:cNvSpPr txBox="1">
-            <a:spLocks/>
-          </p:cNvSpPr>
-          <p:nvPr/>
-        </p:nvSpPr>
-        <p:spPr>
-          <a:xfrm>
-            <a:off x="3124200" y="4889181"/>
-            <a:ext cx="2895600" cy="273844"/>
-          </a:xfrm>
-          <a:prstGeom prst="rect">
-            <a:avLst/>
-          </a:prstGeom>
-        </p:spPr>
-        <p:txBody>
-          <a:bodyPr/>
-          <a:lstStyle>
-            <a:defPPr>
-              <a:defRPr lang="en-US"/>
-            </a:defPPr>
-            <a:lvl1pPr marL="0" algn="l" defTabSz="408194" rtl="0" eaLnBrk="1" latinLnBrk="0" hangingPunct="1">
-              <a:defRPr sz="1600" kern="1200">
-                <a:solidFill>
-                  <a:schemeClr val="tx1"/>
-                </a:solidFill>
-                <a:latin typeface="+mn-lt"/>
-                <a:ea typeface="+mn-ea"/>
-                <a:cs typeface="+mn-cs"/>
-              </a:defRPr>
-            </a:lvl1pPr>
-            <a:lvl2pPr marL="408194" algn="l" defTabSz="408194" rtl="0" eaLnBrk="1" latinLnBrk="0" hangingPunct="1">
-              <a:defRPr sz="1600" kern="1200">
-                <a:solidFill>
-                  <a:schemeClr val="tx1"/>
-                </a:solidFill>
-                <a:latin typeface="+mn-lt"/>
-                <a:ea typeface="+mn-ea"/>
-                <a:cs typeface="+mn-cs"/>
-              </a:defRPr>
-            </a:lvl2pPr>
-            <a:lvl3pPr marL="816388" algn="l" defTabSz="408194" rtl="0" eaLnBrk="1" latinLnBrk="0" hangingPunct="1">
-              <a:defRPr sz="1600" kern="1200">
-                <a:solidFill>
-                  <a:schemeClr val="tx1"/>
-                </a:solidFill>
-                <a:latin typeface="+mn-lt"/>
-                <a:ea typeface="+mn-ea"/>
-                <a:cs typeface="+mn-cs"/>
-              </a:defRPr>
-            </a:lvl3pPr>
-            <a:lvl4pPr marL="1224582" algn="l" defTabSz="408194" rtl="0" eaLnBrk="1" latinLnBrk="0" hangingPunct="1">
-              <a:defRPr sz="1600" kern="1200">
-                <a:solidFill>
-                  <a:schemeClr val="tx1"/>
-                </a:solidFill>
-                <a:latin typeface="+mn-lt"/>
-                <a:ea typeface="+mn-ea"/>
-                <a:cs typeface="+mn-cs"/>
-              </a:defRPr>
-            </a:lvl4pPr>
-            <a:lvl5pPr marL="1632776" algn="l" defTabSz="408194" rtl="0" eaLnBrk="1" latinLnBrk="0" hangingPunct="1">
-              <a:defRPr sz="1600" kern="1200">
-                <a:solidFill>
-                  <a:schemeClr val="tx1"/>
-                </a:solidFill>
-                <a:latin typeface="+mn-lt"/>
-                <a:ea typeface="+mn-ea"/>
-                <a:cs typeface="+mn-cs"/>
-              </a:defRPr>
-            </a:lvl5pPr>
-            <a:lvl6pPr marL="2040969" algn="l" defTabSz="408194" rtl="0" eaLnBrk="1" latinLnBrk="0" hangingPunct="1">
-              <a:defRPr sz="1600" kern="1200">
-                <a:solidFill>
-                  <a:schemeClr val="tx1"/>
-                </a:solidFill>
-                <a:latin typeface="+mn-lt"/>
-                <a:ea typeface="+mn-ea"/>
-                <a:cs typeface="+mn-cs"/>
-              </a:defRPr>
-            </a:lvl6pPr>
-            <a:lvl7pPr marL="2449163" algn="l" defTabSz="408194" rtl="0" eaLnBrk="1" latinLnBrk="0" hangingPunct="1">
-              <a:defRPr sz="1600" kern="1200">
-                <a:solidFill>
-                  <a:schemeClr val="tx1"/>
-                </a:solidFill>
-                <a:latin typeface="+mn-lt"/>
-                <a:ea typeface="+mn-ea"/>
-                <a:cs typeface="+mn-cs"/>
-              </a:defRPr>
-            </a:lvl7pPr>
-            <a:lvl8pPr marL="2857357" algn="l" defTabSz="408194" rtl="0" eaLnBrk="1" latinLnBrk="0" hangingPunct="1">
-              <a:defRPr sz="1600" kern="1200">
-                <a:solidFill>
-                  <a:schemeClr val="tx1"/>
-                </a:solidFill>
-                <a:latin typeface="+mn-lt"/>
-                <a:ea typeface="+mn-ea"/>
-                <a:cs typeface="+mn-cs"/>
-              </a:defRPr>
-            </a:lvl8pPr>
-            <a:lvl9pPr marL="3265551" algn="l" defTabSz="408194" rtl="0" eaLnBrk="1" latinLnBrk="0" hangingPunct="1">
-              <a:defRPr sz="1600" kern="1200">
-                <a:solidFill>
-                  <a:schemeClr val="tx1"/>
-                </a:solidFill>
-                <a:latin typeface="+mn-lt"/>
-                <a:ea typeface="+mn-ea"/>
-                <a:cs typeface="+mn-cs"/>
-              </a:defRPr>
-            </a:lvl9pPr>
-          </a:lstStyle>
-          <a:p>
-            <a:pPr algn="ctr"/>
-            <a:r>
-              <a:rPr lang="en-US" sz="800" dirty="0">
-                <a:solidFill>
-                  <a:schemeClr val="bg1">
-                    <a:lumMod val="65000"/>
-                  </a:schemeClr>
-                </a:solidFill>
-              </a:rPr>
-              <a:t>© Copyright 2000-</a:t>
-            </a:r>
-            <a:r>
-              <a:rPr lang="is-IS" sz="800">
-                <a:solidFill>
-                  <a:schemeClr val="bg1">
-                    <a:lumMod val="65000"/>
-                  </a:schemeClr>
-                </a:solidFill>
-              </a:rPr>
-              <a:t>2017</a:t>
-            </a:r>
-            <a:r>
-              <a:rPr lang="en-US" sz="800">
-                <a:solidFill>
-                  <a:schemeClr val="bg1">
-                    <a:lumMod val="65000"/>
-                  </a:schemeClr>
-                </a:solidFill>
-              </a:rPr>
-              <a:t> </a:t>
-            </a:r>
-            <a:r>
-              <a:rPr lang="en-US" sz="800" dirty="0">
-                <a:solidFill>
-                  <a:schemeClr val="bg1">
-                    <a:lumMod val="65000"/>
-                  </a:schemeClr>
-                </a:solidFill>
-              </a:rPr>
-              <a:t>TIBCO Software Inc.      </a:t>
-            </a:r>
-          </a:p>
-        </p:txBody>
-      </p:sp>
-    </p:spTree>
-    <p:extLst>
-      <p:ext uri="{BB962C8B-B14F-4D97-AF65-F5344CB8AC3E}">
-        <p14:creationId xmlns:p14="http://schemas.microsoft.com/office/powerpoint/2010/main" val="2083903421"/>
-      </p:ext>
-    </p:extLst>
-  </p:cSld>
-  <p:clrMapOvr>
-    <a:masterClrMapping/>
-  </p:clrMapOvr>
-  <mc:AlternateContent xmlns:mc="http://schemas.openxmlformats.org/markup-compatibility/2006" xmlns:p14="http://schemas.microsoft.com/office/powerpoint/2010/main">
-    <mc:Choice Requires="p14">
-      <p:transition spd="med" p14:dur="700">
-        <p:fade/>
-      </p:transition>
-    </mc:Choice>
-    <mc:Fallback xmlns="">
-      <p:transition xmlns:p14="http://schemas.microsoft.com/office/powerpoint/2010/main" spd="med">
-        <p:fade/>
-      </p:transition>
-    </mc:Fallback>
-  </mc:AlternateContent>
-</p:sld>
-</file>
-
 <file path=ppt/slides/slide14.xml><?xml version="1.0" encoding="utf-8"?>
 <p:sld xmlns:a="http://schemas.openxmlformats.org/drawingml/2006/main" xmlns:r="http://schemas.openxmlformats.org/officeDocument/2006/relationships" xmlns:p="http://schemas.openxmlformats.org/presentationml/2006/main">
   <p:cSld>
@@ -18916,7 +19284,7 @@
                   <a:schemeClr val="bg1"/>
                 </a:solidFill>
               </a:rPr>
-              <a:t>Partition Strategy</a:t>
+              <a:t>Issues and Solutions</a:t>
             </a:r>
           </a:p>
         </p:txBody>
@@ -18954,7 +19322,7 @@
                   <a:srgbClr val="061C23"/>
                 </a:solidFill>
               </a:rPr>
-              <a:t>Partition Strategy</a:t>
+              <a:t>Issue</a:t>
             </a:r>
             <a:r>
               <a:rPr lang="en-US" sz="2000" dirty="0">
@@ -18962,7 +19330,7 @@
                   <a:srgbClr val="061C23"/>
                 </a:solidFill>
               </a:rPr>
-              <a:t>.</a:t>
+              <a:t>: Reporting on metrics is very slow with no indexes.</a:t>
             </a:r>
           </a:p>
           <a:p>
@@ -18979,24 +19347,15 @@
                   <a:srgbClr val="061C23"/>
                 </a:solidFill>
               </a:rPr>
-              <a:t>Lower Level Environments (LLE)</a:t>
-            </a:r>
-          </a:p>
-          <a:p>
-            <a:pPr marL="1200150" lvl="2" indent="-285750">
-              <a:buClr>
-                <a:srgbClr val="0070C0"/>
-              </a:buClr>
-              <a:buFont typeface="Wingdings" charset="2"/>
-              <a:buChar char="§"/>
-            </a:pPr>
-            <a:r>
-              <a:rPr lang="en-US" sz="1600" dirty="0">
+              <a:t>Solution</a:t>
+            </a:r>
+            <a:r>
+              <a:rPr lang="en-US" sz="1800" dirty="0">
                 <a:solidFill>
                   <a:srgbClr val="061C23"/>
                 </a:solidFill>
               </a:rPr>
-              <a:t>Use 4 partitions to capture 90 full days with 1 extra month providing a buffer for dropping a partitions.</a:t>
+              <a:t>: Create reporting tables in the same database which contain indexes.</a:t>
             </a:r>
           </a:p>
           <a:p>
@@ -19008,29 +19367,12 @@
               <a:buChar char="o"/>
             </a:pPr>
             <a:r>
-              <a:rPr lang="en-US" sz="1800" u="sng" dirty="0">
+              <a:rPr lang="en-US" sz="1800" dirty="0">
                 <a:solidFill>
                   <a:srgbClr val="061C23"/>
                 </a:solidFill>
               </a:rPr>
-              <a:t>Production Environments (PROD)</a:t>
-            </a:r>
-          </a:p>
-          <a:p>
-            <a:pPr marL="1200150" lvl="2" indent="-285750">
-              <a:buClr>
-                <a:srgbClr val="0070C0"/>
-              </a:buClr>
-              <a:buFont typeface="Wingdings" charset="2"/>
-              <a:buChar char="§"/>
-            </a:pPr>
-            <a:r>
-              <a:rPr lang="en-US" sz="1600" dirty="0">
-                <a:solidFill>
-                  <a:srgbClr val="061C23"/>
-                </a:solidFill>
-              </a:rPr>
-              <a:t>Use 13 partitions to capture 1 full year of data with 1 extra month providing a buffer for dropping a partition.</a:t>
+              <a:t>Use a trigger to capture new data inserted into main “data warehouse” metrics tables.</a:t>
             </a:r>
           </a:p>
           <a:p>
@@ -19042,111 +19384,93 @@
               <a:buChar char="o"/>
             </a:pPr>
             <a:r>
-              <a:rPr lang="en-US" sz="1800" u="sng" dirty="0">
+              <a:rPr lang="en-US" sz="1800" dirty="0">
                 <a:solidFill>
                   <a:srgbClr val="061C23"/>
                 </a:solidFill>
               </a:rPr>
-              <a:t>General Rules</a:t>
-            </a:r>
-          </a:p>
-          <a:p>
-            <a:pPr marL="1200150" lvl="2" indent="-285750">
+              <a:t>Combine node 1 and node 2 data for reporting.</a:t>
+            </a:r>
+          </a:p>
+          <a:p>
+            <a:pPr>
               <a:buClr>
                 <a:srgbClr val="0070C0"/>
               </a:buClr>
-              <a:buFont typeface="Wingdings" charset="2"/>
-              <a:buChar char="§"/>
             </a:pPr>
             <a:r>
-              <a:rPr lang="en-US" sz="1600" dirty="0">
+              <a:rPr lang="en-US" sz="2000" u="sng" dirty="0">
                 <a:solidFill>
                   <a:srgbClr val="061C23"/>
                 </a:solidFill>
               </a:rPr>
-              <a:t>Prior to rolling to the next month, a new partition is created in advance.  It sits empty until the “</a:t>
-            </a:r>
-            <a:r>
-              <a:rPr lang="en-US" sz="1600" dirty="0" err="1">
+              <a:t>Issue</a:t>
+            </a:r>
+            <a:r>
+              <a:rPr lang="en-US" sz="2000" dirty="0">
                 <a:solidFill>
                   <a:srgbClr val="061C23"/>
                 </a:solidFill>
               </a:rPr>
-              <a:t>starttime</a:t>
-            </a:r>
-            <a:r>
-              <a:rPr lang="en-US" sz="1600" dirty="0">
-                <a:solidFill>
-                  <a:srgbClr val="061C23"/>
-                </a:solidFill>
-              </a:rPr>
-              <a:t>” value is applicable for that month.</a:t>
-            </a:r>
-          </a:p>
-          <a:p>
-            <a:pPr marL="1200150" lvl="2" indent="-285750">
+              <a:t>: Ability to quickly prune 1 month of data at a time.</a:t>
+            </a:r>
+          </a:p>
+          <a:p>
+            <a:pPr marL="742950" lvl="1" indent="-285750">
               <a:buClr>
                 <a:srgbClr val="0070C0"/>
               </a:buClr>
-              <a:buFont typeface="Wingdings" charset="2"/>
-              <a:buChar char="§"/>
+              <a:buFont typeface="Courier New" charset="0"/>
+              <a:buChar char="o"/>
             </a:pPr>
             <a:r>
-              <a:rPr lang="en-US" sz="1600" dirty="0">
+              <a:rPr lang="en-US" sz="1800" u="sng" dirty="0">
                 <a:solidFill>
                   <a:srgbClr val="061C23"/>
                 </a:solidFill>
               </a:rPr>
-              <a:t>The earliest month gets dropped once the 4</a:t>
-            </a:r>
-            <a:r>
-              <a:rPr lang="en-US" sz="1600" baseline="30000" dirty="0">
+              <a:t>Solution</a:t>
+            </a:r>
+            <a:r>
+              <a:rPr lang="en-US" sz="1800" dirty="0">
                 <a:solidFill>
                   <a:srgbClr val="061C23"/>
                 </a:solidFill>
               </a:rPr>
-              <a:t>th</a:t>
-            </a:r>
-            <a:r>
-              <a:rPr lang="en-US" sz="1600" dirty="0">
-                <a:solidFill>
-                  <a:srgbClr val="061C23"/>
-                </a:solidFill>
-              </a:rPr>
-              <a:t> for LLE or 13</a:t>
-            </a:r>
-            <a:r>
-              <a:rPr lang="en-US" sz="1600" baseline="30000" dirty="0">
-                <a:solidFill>
-                  <a:srgbClr val="061C23"/>
-                </a:solidFill>
-              </a:rPr>
-              <a:t>th</a:t>
-            </a:r>
-            <a:r>
-              <a:rPr lang="en-US" sz="1600" dirty="0">
-                <a:solidFill>
-                  <a:srgbClr val="061C23"/>
-                </a:solidFill>
-              </a:rPr>
-              <a:t> for PROD month is completed.</a:t>
-            </a:r>
-          </a:p>
-          <a:p>
-            <a:pPr marL="1200150" lvl="2" indent="-285750">
+              <a:t>: Create partitions based on month that can be easily created and dropped.  A dropped partition represents a purge of 1 month of data.</a:t>
+            </a:r>
+          </a:p>
+          <a:p>
+            <a:pPr marL="742950" lvl="1" indent="-285750">
               <a:buClr>
                 <a:srgbClr val="0070C0"/>
               </a:buClr>
-              <a:buFont typeface="Wingdings" charset="2"/>
-              <a:buChar char="§"/>
+              <a:buFont typeface="Courier New" charset="0"/>
+              <a:buChar char="o"/>
             </a:pPr>
             <a:r>
-              <a:rPr lang="en-US" sz="1600" dirty="0">
+              <a:rPr lang="en-US" sz="1800" dirty="0">
                 <a:solidFill>
                   <a:srgbClr val="061C23"/>
                 </a:solidFill>
               </a:rPr>
-              <a:t>User queries should take into consideration a rolling 3 month for LLE and 13 month for PROD when calculating queries.</a:t>
+              <a:t>Standard data mart practice to partition large sets of data based on a timestamp like “</a:t>
+            </a:r>
+            <a:r>
+              <a:rPr lang="en-US" sz="1800" dirty="0" err="1">
+                <a:solidFill>
+                  <a:srgbClr val="061C23"/>
+                </a:solidFill>
+              </a:rPr>
+              <a:t>starttime</a:t>
+            </a:r>
+            <a:r>
+              <a:rPr lang="en-US" sz="1800" dirty="0">
+                <a:solidFill>
+                  <a:srgbClr val="061C23"/>
+                </a:solidFill>
+              </a:rPr>
+              <a:t>”.</a:t>
             </a:r>
           </a:p>
         </p:txBody>
@@ -19313,7 +19637,7 @@
     </p:spTree>
     <p:extLst>
       <p:ext uri="{BB962C8B-B14F-4D97-AF65-F5344CB8AC3E}">
-        <p14:creationId xmlns:p14="http://schemas.microsoft.com/office/powerpoint/2010/main" val="519100963"/>
+        <p14:creationId xmlns:p14="http://schemas.microsoft.com/office/powerpoint/2010/main" val="2083903421"/>
       </p:ext>
     </p:extLst>
   </p:cSld>
@@ -19379,7 +19703,7 @@
                   <a:schemeClr val="bg1"/>
                 </a:solidFill>
               </a:rPr>
-              <a:t>Partition Strategy (cont.)</a:t>
+              <a:t>Partition Strategy</a:t>
             </a:r>
           </a:p>
         </p:txBody>
@@ -19417,16 +19741,19 @@
                   <a:srgbClr val="061C23"/>
                 </a:solidFill>
               </a:rPr>
-              <a:t>Create Partition Data Mart Tables</a:t>
-            </a:r>
-            <a:endParaRPr lang="en-US" sz="2000" dirty="0">
-              <a:solidFill>
-                <a:srgbClr val="061C23"/>
-              </a:solidFill>
-            </a:endParaRPr>
-          </a:p>
-          <a:p>
-            <a:pPr marL="914400" lvl="1" indent="-457200">
+              <a:t>Partition Strategy</a:t>
+            </a:r>
+            <a:r>
+              <a:rPr lang="en-US" sz="2000" dirty="0">
+                <a:solidFill>
+                  <a:srgbClr val="061C23"/>
+                </a:solidFill>
+              </a:rPr>
+              <a:t>.</a:t>
+            </a:r>
+          </a:p>
+          <a:p>
+            <a:pPr marL="742950" lvl="1" indent="-285750">
               <a:buClr>
                 <a:srgbClr val="0070C0"/>
               </a:buClr>
@@ -19434,16 +19761,16 @@
               <a:buChar char="o"/>
             </a:pPr>
             <a:r>
-              <a:rPr lang="en-US" sz="1600" dirty="0">
+              <a:rPr lang="en-US" sz="1800" u="sng" dirty="0">
                 <a:solidFill>
                   <a:srgbClr val="061C23"/>
                 </a:solidFill>
               </a:rPr>
-              <a:t>Concept</a:t>
-            </a:r>
-          </a:p>
-          <a:p>
-            <a:pPr marL="1371600" lvl="2" indent="-457200">
+              <a:t>Lower Level Environments (LLE)</a:t>
+            </a:r>
+          </a:p>
+          <a:p>
+            <a:pPr marL="1200150" lvl="2" indent="-285750">
               <a:buClr>
                 <a:srgbClr val="0070C0"/>
               </a:buClr>
@@ -19451,17 +19778,33 @@
               <a:buChar char="§"/>
             </a:pPr>
             <a:r>
-              <a:rPr lang="en-US" sz="1600" dirty="0"/>
-              <a:t>Create metrics_requests with 4 partitions for LLE and 13 for PROD based on </a:t>
-            </a:r>
-            <a:r>
-              <a:rPr lang="en-US" sz="1600" b="1" dirty="0" err="1"/>
-              <a:t>starttime</a:t>
-            </a:r>
-            <a:endParaRPr lang="en-US" sz="1600" dirty="0"/>
-          </a:p>
-          <a:p>
-            <a:pPr marL="1371600" lvl="2" indent="-457200">
+              <a:rPr lang="en-US" sz="1600" dirty="0">
+                <a:solidFill>
+                  <a:srgbClr val="061C23"/>
+                </a:solidFill>
+              </a:rPr>
+              <a:t>Use 4 partitions to capture 90 full days with 1 extra month providing a buffer for dropping a partitions.</a:t>
+            </a:r>
+          </a:p>
+          <a:p>
+            <a:pPr marL="742950" lvl="1" indent="-285750">
+              <a:buClr>
+                <a:srgbClr val="0070C0"/>
+              </a:buClr>
+              <a:buFont typeface="Courier New" charset="0"/>
+              <a:buChar char="o"/>
+            </a:pPr>
+            <a:r>
+              <a:rPr lang="en-US" sz="1800" u="sng" dirty="0">
+                <a:solidFill>
+                  <a:srgbClr val="061C23"/>
+                </a:solidFill>
+              </a:rPr>
+              <a:t>Production Environments (PROD)</a:t>
+            </a:r>
+          </a:p>
+          <a:p>
+            <a:pPr marL="1200150" lvl="2" indent="-285750">
               <a:buClr>
                 <a:srgbClr val="0070C0"/>
               </a:buClr>
@@ -19469,17 +19812,33 @@
               <a:buChar char="§"/>
             </a:pPr>
             <a:r>
-              <a:rPr lang="en-US" sz="1600" dirty="0"/>
-              <a:t>Create metrics_resources_usage with 4 partitions for LLE and 13 for PROD based on </a:t>
-            </a:r>
-            <a:r>
-              <a:rPr lang="en-US" sz="1600" b="1" dirty="0" err="1"/>
-              <a:t>starttime</a:t>
-            </a:r>
-            <a:endParaRPr lang="en-US" sz="1600" dirty="0"/>
-          </a:p>
-          <a:p>
-            <a:pPr marL="1371600" lvl="2" indent="-457200">
+              <a:rPr lang="en-US" sz="1600" dirty="0">
+                <a:solidFill>
+                  <a:srgbClr val="061C23"/>
+                </a:solidFill>
+              </a:rPr>
+              <a:t>Use 13 partitions to capture 1 full year of data with 1 extra month providing a buffer for dropping a partition.</a:t>
+            </a:r>
+          </a:p>
+          <a:p>
+            <a:pPr marL="742950" lvl="1" indent="-285750">
+              <a:buClr>
+                <a:srgbClr val="0070C0"/>
+              </a:buClr>
+              <a:buFont typeface="Courier New" charset="0"/>
+              <a:buChar char="o"/>
+            </a:pPr>
+            <a:r>
+              <a:rPr lang="en-US" sz="1800" u="sng" dirty="0">
+                <a:solidFill>
+                  <a:srgbClr val="061C23"/>
+                </a:solidFill>
+              </a:rPr>
+              <a:t>General Rules</a:t>
+            </a:r>
+          </a:p>
+          <a:p>
+            <a:pPr marL="1200150" lvl="2" indent="-285750">
               <a:buClr>
                 <a:srgbClr val="0070C0"/>
               </a:buClr>
@@ -19487,26 +19846,94 @@
               <a:buChar char="§"/>
             </a:pPr>
             <a:r>
-              <a:rPr lang="en-US" sz="1600" dirty="0"/>
-              <a:t>Create metrics_sessions with 4 partitions for LLE and 13 for PROD based on </a:t>
-            </a:r>
-            <a:r>
-              <a:rPr lang="en-US" sz="1600" b="1" dirty="0" err="1"/>
-              <a:t>logintime</a:t>
-            </a:r>
-            <a:endParaRPr lang="en-US" sz="1600" b="1" dirty="0"/>
-          </a:p>
-          <a:p>
-            <a:pPr marL="914400" lvl="1" indent="-457200">
+              <a:rPr lang="en-US" sz="1600" dirty="0">
+                <a:solidFill>
+                  <a:srgbClr val="061C23"/>
+                </a:solidFill>
+              </a:rPr>
+              <a:t>Prior to rolling to the next month, a new partition is created in advance.  It sits empty until the “</a:t>
+            </a:r>
+            <a:r>
+              <a:rPr lang="en-US" sz="1600" dirty="0" err="1">
+                <a:solidFill>
+                  <a:srgbClr val="061C23"/>
+                </a:solidFill>
+              </a:rPr>
+              <a:t>starttime</a:t>
+            </a:r>
+            <a:r>
+              <a:rPr lang="en-US" sz="1600" dirty="0">
+                <a:solidFill>
+                  <a:srgbClr val="061C23"/>
+                </a:solidFill>
+              </a:rPr>
+              <a:t>” value is applicable for that month.</a:t>
+            </a:r>
+          </a:p>
+          <a:p>
+            <a:pPr marL="1200150" lvl="2" indent="-285750">
               <a:buClr>
                 <a:srgbClr val="0070C0"/>
               </a:buClr>
-              <a:buFont typeface="Courier New" charset="0"/>
-              <a:buChar char="o"/>
+              <a:buFont typeface="Wingdings" charset="2"/>
+              <a:buChar char="§"/>
             </a:pPr>
             <a:r>
-              <a:rPr lang="en-US" sz="1600" dirty="0"/>
-              <a:t>An extra month is created to be able to drop the partition for pruning data.</a:t>
+              <a:rPr lang="en-US" sz="1600" dirty="0">
+                <a:solidFill>
+                  <a:srgbClr val="061C23"/>
+                </a:solidFill>
+              </a:rPr>
+              <a:t>The earliest month gets dropped once the 4</a:t>
+            </a:r>
+            <a:r>
+              <a:rPr lang="en-US" sz="1600" baseline="30000" dirty="0">
+                <a:solidFill>
+                  <a:srgbClr val="061C23"/>
+                </a:solidFill>
+              </a:rPr>
+              <a:t>th</a:t>
+            </a:r>
+            <a:r>
+              <a:rPr lang="en-US" sz="1600" dirty="0">
+                <a:solidFill>
+                  <a:srgbClr val="061C23"/>
+                </a:solidFill>
+              </a:rPr>
+              <a:t> for LLE or 13</a:t>
+            </a:r>
+            <a:r>
+              <a:rPr lang="en-US" sz="1600" baseline="30000" dirty="0">
+                <a:solidFill>
+                  <a:srgbClr val="061C23"/>
+                </a:solidFill>
+              </a:rPr>
+              <a:t>th</a:t>
+            </a:r>
+            <a:r>
+              <a:rPr lang="en-US" sz="1600" dirty="0">
+                <a:solidFill>
+                  <a:srgbClr val="061C23"/>
+                </a:solidFill>
+              </a:rPr>
+              <a:t> for PROD month is completed.</a:t>
+            </a:r>
+          </a:p>
+          <a:p>
+            <a:pPr marL="1200150" lvl="2" indent="-285750">
+              <a:buClr>
+                <a:srgbClr val="0070C0"/>
+              </a:buClr>
+              <a:buFont typeface="Wingdings" charset="2"/>
+              <a:buChar char="§"/>
+            </a:pPr>
+            <a:r>
+              <a:rPr lang="en-US" sz="1600" dirty="0">
+                <a:solidFill>
+                  <a:srgbClr val="061C23"/>
+                </a:solidFill>
+              </a:rPr>
+              <a:t>User queries should take into consideration a rolling 3 month for LLE and 13 month for PROD when calculating queries.</a:t>
             </a:r>
           </a:p>
         </p:txBody>
@@ -19673,7 +20100,7 @@
     </p:spTree>
     <p:extLst>
       <p:ext uri="{BB962C8B-B14F-4D97-AF65-F5344CB8AC3E}">
-        <p14:creationId xmlns:p14="http://schemas.microsoft.com/office/powerpoint/2010/main" val="1706846838"/>
+        <p14:creationId xmlns:p14="http://schemas.microsoft.com/office/powerpoint/2010/main" val="519100963"/>
       </p:ext>
     </p:extLst>
   </p:cSld>
@@ -19739,7 +20166,7 @@
                   <a:schemeClr val="bg1"/>
                 </a:solidFill>
               </a:rPr>
-              <a:t>Metrics Collection Benefits</a:t>
+              <a:t>Partition Strategy (cont.)</a:t>
             </a:r>
           </a:p>
         </p:txBody>
@@ -19777,7 +20204,7 @@
                   <a:srgbClr val="061C23"/>
                 </a:solidFill>
               </a:rPr>
-              <a:t>Metrics Collection Benefit</a:t>
+              <a:t>Create Partition Data Mart Tables</a:t>
             </a:r>
             <a:endParaRPr lang="en-US" sz="2000" dirty="0">
               <a:solidFill>
@@ -19794,13 +20221,67 @@
               <a:buChar char="o"/>
             </a:pPr>
             <a:r>
-              <a:rPr lang="en-US" sz="1800" dirty="0">
+              <a:rPr lang="en-US" sz="1600" dirty="0">
                 <a:solidFill>
                   <a:srgbClr val="061C23"/>
                 </a:solidFill>
               </a:rPr>
-              <a:t>With a separate metrics data mart in place capturing data on a regular interval from the collection tables, will make it possible to set the purge window on the data collection tables to a smaller window such as 2 hours.</a:t>
-            </a:r>
+              <a:t>Concept</a:t>
+            </a:r>
+          </a:p>
+          <a:p>
+            <a:pPr marL="1371600" lvl="2" indent="-457200">
+              <a:buClr>
+                <a:srgbClr val="0070C0"/>
+              </a:buClr>
+              <a:buFont typeface="Wingdings" charset="2"/>
+              <a:buChar char="§"/>
+            </a:pPr>
+            <a:r>
+              <a:rPr lang="en-US" sz="1600" dirty="0"/>
+              <a:t>Create metrics_requests with 4 partitions for LLE and 13 for PROD based on </a:t>
+            </a:r>
+            <a:r>
+              <a:rPr lang="en-US" sz="1600" b="1" dirty="0" err="1"/>
+              <a:t>starttime</a:t>
+            </a:r>
+            <a:endParaRPr lang="en-US" sz="1600" dirty="0"/>
+          </a:p>
+          <a:p>
+            <a:pPr marL="1371600" lvl="2" indent="-457200">
+              <a:buClr>
+                <a:srgbClr val="0070C0"/>
+              </a:buClr>
+              <a:buFont typeface="Wingdings" charset="2"/>
+              <a:buChar char="§"/>
+            </a:pPr>
+            <a:r>
+              <a:rPr lang="en-US" sz="1600" dirty="0"/>
+              <a:t>Create metrics_resources_usage with 4 partitions for LLE and 13 for PROD based on </a:t>
+            </a:r>
+            <a:r>
+              <a:rPr lang="en-US" sz="1600" b="1" dirty="0" err="1"/>
+              <a:t>starttime</a:t>
+            </a:r>
+            <a:endParaRPr lang="en-US" sz="1600" dirty="0"/>
+          </a:p>
+          <a:p>
+            <a:pPr marL="1371600" lvl="2" indent="-457200">
+              <a:buClr>
+                <a:srgbClr val="0070C0"/>
+              </a:buClr>
+              <a:buFont typeface="Wingdings" charset="2"/>
+              <a:buChar char="§"/>
+            </a:pPr>
+            <a:r>
+              <a:rPr lang="en-US" sz="1600" dirty="0"/>
+              <a:t>Create metrics_sessions with 4 partitions for LLE and 13 for PROD based on </a:t>
+            </a:r>
+            <a:r>
+              <a:rPr lang="en-US" sz="1600" b="1" dirty="0" err="1"/>
+              <a:t>logintime</a:t>
+            </a:r>
+            <a:endParaRPr lang="en-US" sz="1600" b="1" dirty="0"/>
           </a:p>
           <a:p>
             <a:pPr marL="914400" lvl="1" indent="-457200">
@@ -19811,46 +20292,8 @@
               <a:buChar char="o"/>
             </a:pPr>
             <a:r>
-              <a:rPr lang="en-US" sz="1800" dirty="0">
-                <a:solidFill>
-                  <a:srgbClr val="061C23"/>
-                </a:solidFill>
-              </a:rPr>
-              <a:t>Keeps the amount of data small so that inserts happen quicker.</a:t>
-            </a:r>
-          </a:p>
-          <a:p>
-            <a:pPr marL="914400" lvl="1" indent="-457200">
-              <a:buClr>
-                <a:srgbClr val="0070C0"/>
-              </a:buClr>
-              <a:buFont typeface="Courier New" charset="0"/>
-              <a:buChar char="o"/>
-            </a:pPr>
-            <a:r>
-              <a:rPr lang="en-US" sz="1800" dirty="0">
-                <a:solidFill>
-                  <a:srgbClr val="061C23"/>
-                </a:solidFill>
-              </a:rPr>
-              <a:t>Triggers to feed data mart will run faster with less data in the collection tables so they can run more often without a high penalty.</a:t>
-            </a:r>
-          </a:p>
-          <a:p>
-            <a:pPr marL="914400" lvl="1" indent="-457200">
-              <a:buClr>
-                <a:srgbClr val="0070C0"/>
-              </a:buClr>
-              <a:buFont typeface="Courier New" charset="0"/>
-              <a:buChar char="o"/>
-            </a:pPr>
-            <a:r>
-              <a:rPr lang="en-US" sz="1800" dirty="0">
-                <a:solidFill>
-                  <a:srgbClr val="061C23"/>
-                </a:solidFill>
-              </a:rPr>
-              <a:t>The daily truncate/delete will run faster reducing any contention.</a:t>
+              <a:rPr lang="en-US" sz="1600" dirty="0"/>
+              <a:t>An extra month is created to be able to drop the partition for pruning data.</a:t>
             </a:r>
           </a:p>
         </p:txBody>
@@ -20017,7 +20460,7 @@
     </p:spTree>
     <p:extLst>
       <p:ext uri="{BB962C8B-B14F-4D97-AF65-F5344CB8AC3E}">
-        <p14:creationId xmlns:p14="http://schemas.microsoft.com/office/powerpoint/2010/main" val="1065168163"/>
+        <p14:creationId xmlns:p14="http://schemas.microsoft.com/office/powerpoint/2010/main" val="1706846838"/>
       </p:ext>
     </p:extLst>
   </p:cSld>
@@ -20056,12 +20499,356 @@
           <a:chExt cx="0" cy="0"/>
         </a:xfrm>
       </p:grpSpPr>
+      <p:sp>
+        <p:nvSpPr>
+          <p:cNvPr id="35843" name="Rectangle 2"/>
+          <p:cNvSpPr>
+            <a:spLocks noGrp="1"/>
+          </p:cNvSpPr>
+          <p:nvPr>
+            <p:ph type="title"/>
+          </p:nvPr>
+        </p:nvSpPr>
+        <p:spPr>
+          <a:xfrm>
+            <a:off x="1401287" y="0"/>
+            <a:ext cx="7410469" cy="689429"/>
+          </a:xfrm>
+        </p:spPr>
+        <p:txBody>
+          <a:bodyPr/>
+          <a:lstStyle/>
+          <a:p>
+            <a:pPr eaLnBrk="1" hangingPunct="1"/>
+            <a:r>
+              <a:rPr lang="en-US" dirty="0">
+                <a:solidFill>
+                  <a:schemeClr val="bg1"/>
+                </a:solidFill>
+              </a:rPr>
+              <a:t>Metrics Collection Benefits</a:t>
+            </a:r>
+          </a:p>
+        </p:txBody>
+      </p:sp>
+      <p:sp>
+        <p:nvSpPr>
+          <p:cNvPr id="35844" name="Rectangle 3"/>
+          <p:cNvSpPr>
+            <a:spLocks noGrp="1"/>
+          </p:cNvSpPr>
+          <p:nvPr>
+            <p:ph type="body" idx="1"/>
+          </p:nvPr>
+        </p:nvSpPr>
+        <p:spPr>
+          <a:xfrm>
+            <a:off x="230833" y="767740"/>
+            <a:ext cx="8828500" cy="3838653"/>
+          </a:xfrm>
+        </p:spPr>
+        <p:txBody>
+          <a:bodyPr>
+            <a:noAutofit/>
+          </a:bodyPr>
+          <a:lstStyle/>
+          <a:p>
+            <a:pPr>
+              <a:buClr>
+                <a:srgbClr val="0070C0"/>
+              </a:buClr>
+            </a:pPr>
+            <a:r>
+              <a:rPr lang="en-US" sz="2000" u="sng" dirty="0">
+                <a:solidFill>
+                  <a:srgbClr val="061C23"/>
+                </a:solidFill>
+              </a:rPr>
+              <a:t>Metrics Collection Benefit</a:t>
+            </a:r>
+            <a:endParaRPr lang="en-US" sz="2000" dirty="0">
+              <a:solidFill>
+                <a:srgbClr val="061C23"/>
+              </a:solidFill>
+            </a:endParaRPr>
+          </a:p>
+          <a:p>
+            <a:pPr marL="914400" lvl="1" indent="-457200">
+              <a:buClr>
+                <a:srgbClr val="0070C0"/>
+              </a:buClr>
+              <a:buFont typeface="Courier New" charset="0"/>
+              <a:buChar char="o"/>
+            </a:pPr>
+            <a:r>
+              <a:rPr lang="en-US" sz="1800" dirty="0">
+                <a:solidFill>
+                  <a:srgbClr val="061C23"/>
+                </a:solidFill>
+              </a:rPr>
+              <a:t>With a separate metrics data mart in place capturing data on a regular interval from the collection tables, will make it possible to set the purge window on the data collection tables to a smaller window such as 2 hours.</a:t>
+            </a:r>
+          </a:p>
+          <a:p>
+            <a:pPr marL="914400" lvl="1" indent="-457200">
+              <a:buClr>
+                <a:srgbClr val="0070C0"/>
+              </a:buClr>
+              <a:buFont typeface="Courier New" charset="0"/>
+              <a:buChar char="o"/>
+            </a:pPr>
+            <a:r>
+              <a:rPr lang="en-US" sz="1800" dirty="0">
+                <a:solidFill>
+                  <a:srgbClr val="061C23"/>
+                </a:solidFill>
+              </a:rPr>
+              <a:t>Keeps the amount of data small so that inserts happen quicker.</a:t>
+            </a:r>
+          </a:p>
+          <a:p>
+            <a:pPr marL="914400" lvl="1" indent="-457200">
+              <a:buClr>
+                <a:srgbClr val="0070C0"/>
+              </a:buClr>
+              <a:buFont typeface="Courier New" charset="0"/>
+              <a:buChar char="o"/>
+            </a:pPr>
+            <a:r>
+              <a:rPr lang="en-US" sz="1800" dirty="0">
+                <a:solidFill>
+                  <a:srgbClr val="061C23"/>
+                </a:solidFill>
+              </a:rPr>
+              <a:t>Triggers to feed data mart will run faster with less data in the collection tables so they can run more often without a high penalty.</a:t>
+            </a:r>
+          </a:p>
+          <a:p>
+            <a:pPr marL="914400" lvl="1" indent="-457200">
+              <a:buClr>
+                <a:srgbClr val="0070C0"/>
+              </a:buClr>
+              <a:buFont typeface="Courier New" charset="0"/>
+              <a:buChar char="o"/>
+            </a:pPr>
+            <a:r>
+              <a:rPr lang="en-US" sz="1800" dirty="0">
+                <a:solidFill>
+                  <a:srgbClr val="061C23"/>
+                </a:solidFill>
+              </a:rPr>
+              <a:t>The daily truncate/delete will run faster reducing any contention.</a:t>
+            </a:r>
+          </a:p>
+        </p:txBody>
+      </p:sp>
+      <p:sp>
+        <p:nvSpPr>
+          <p:cNvPr id="4" name="Footer Placeholder 3"/>
+          <p:cNvSpPr txBox="1">
+            <a:spLocks/>
+          </p:cNvSpPr>
+          <p:nvPr/>
+        </p:nvSpPr>
+        <p:spPr>
+          <a:xfrm>
+            <a:off x="3124200" y="4889181"/>
+            <a:ext cx="2895600" cy="273844"/>
+          </a:xfrm>
+          <a:prstGeom prst="rect">
+            <a:avLst/>
+          </a:prstGeom>
+        </p:spPr>
+        <p:txBody>
+          <a:bodyPr/>
+          <a:lstStyle>
+            <a:defPPr>
+              <a:defRPr lang="en-US"/>
+            </a:defPPr>
+            <a:lvl1pPr marL="0" algn="l" defTabSz="408194" rtl="0" eaLnBrk="1" latinLnBrk="0" hangingPunct="1">
+              <a:defRPr sz="1600" kern="1200">
+                <a:solidFill>
+                  <a:schemeClr val="tx1"/>
+                </a:solidFill>
+                <a:latin typeface="+mn-lt"/>
+                <a:ea typeface="+mn-ea"/>
+                <a:cs typeface="+mn-cs"/>
+              </a:defRPr>
+            </a:lvl1pPr>
+            <a:lvl2pPr marL="408194" algn="l" defTabSz="408194" rtl="0" eaLnBrk="1" latinLnBrk="0" hangingPunct="1">
+              <a:defRPr sz="1600" kern="1200">
+                <a:solidFill>
+                  <a:schemeClr val="tx1"/>
+                </a:solidFill>
+                <a:latin typeface="+mn-lt"/>
+                <a:ea typeface="+mn-ea"/>
+                <a:cs typeface="+mn-cs"/>
+              </a:defRPr>
+            </a:lvl2pPr>
+            <a:lvl3pPr marL="816388" algn="l" defTabSz="408194" rtl="0" eaLnBrk="1" latinLnBrk="0" hangingPunct="1">
+              <a:defRPr sz="1600" kern="1200">
+                <a:solidFill>
+                  <a:schemeClr val="tx1"/>
+                </a:solidFill>
+                <a:latin typeface="+mn-lt"/>
+                <a:ea typeface="+mn-ea"/>
+                <a:cs typeface="+mn-cs"/>
+              </a:defRPr>
+            </a:lvl3pPr>
+            <a:lvl4pPr marL="1224582" algn="l" defTabSz="408194" rtl="0" eaLnBrk="1" latinLnBrk="0" hangingPunct="1">
+              <a:defRPr sz="1600" kern="1200">
+                <a:solidFill>
+                  <a:schemeClr val="tx1"/>
+                </a:solidFill>
+                <a:latin typeface="+mn-lt"/>
+                <a:ea typeface="+mn-ea"/>
+                <a:cs typeface="+mn-cs"/>
+              </a:defRPr>
+            </a:lvl4pPr>
+            <a:lvl5pPr marL="1632776" algn="l" defTabSz="408194" rtl="0" eaLnBrk="1" latinLnBrk="0" hangingPunct="1">
+              <a:defRPr sz="1600" kern="1200">
+                <a:solidFill>
+                  <a:schemeClr val="tx1"/>
+                </a:solidFill>
+                <a:latin typeface="+mn-lt"/>
+                <a:ea typeface="+mn-ea"/>
+                <a:cs typeface="+mn-cs"/>
+              </a:defRPr>
+            </a:lvl5pPr>
+            <a:lvl6pPr marL="2040969" algn="l" defTabSz="408194" rtl="0" eaLnBrk="1" latinLnBrk="0" hangingPunct="1">
+              <a:defRPr sz="1600" kern="1200">
+                <a:solidFill>
+                  <a:schemeClr val="tx1"/>
+                </a:solidFill>
+                <a:latin typeface="+mn-lt"/>
+                <a:ea typeface="+mn-ea"/>
+                <a:cs typeface="+mn-cs"/>
+              </a:defRPr>
+            </a:lvl6pPr>
+            <a:lvl7pPr marL="2449163" algn="l" defTabSz="408194" rtl="0" eaLnBrk="1" latinLnBrk="0" hangingPunct="1">
+              <a:defRPr sz="1600" kern="1200">
+                <a:solidFill>
+                  <a:schemeClr val="tx1"/>
+                </a:solidFill>
+                <a:latin typeface="+mn-lt"/>
+                <a:ea typeface="+mn-ea"/>
+                <a:cs typeface="+mn-cs"/>
+              </a:defRPr>
+            </a:lvl7pPr>
+            <a:lvl8pPr marL="2857357" algn="l" defTabSz="408194" rtl="0" eaLnBrk="1" latinLnBrk="0" hangingPunct="1">
+              <a:defRPr sz="1600" kern="1200">
+                <a:solidFill>
+                  <a:schemeClr val="tx1"/>
+                </a:solidFill>
+                <a:latin typeface="+mn-lt"/>
+                <a:ea typeface="+mn-ea"/>
+                <a:cs typeface="+mn-cs"/>
+              </a:defRPr>
+            </a:lvl8pPr>
+            <a:lvl9pPr marL="3265551" algn="l" defTabSz="408194" rtl="0" eaLnBrk="1" latinLnBrk="0" hangingPunct="1">
+              <a:defRPr sz="1600" kern="1200">
+                <a:solidFill>
+                  <a:schemeClr val="tx1"/>
+                </a:solidFill>
+                <a:latin typeface="+mn-lt"/>
+                <a:ea typeface="+mn-ea"/>
+                <a:cs typeface="+mn-cs"/>
+              </a:defRPr>
+            </a:lvl9pPr>
+          </a:lstStyle>
+          <a:p>
+            <a:pPr algn="ctr"/>
+            <a:r>
+              <a:rPr lang="en-US" sz="800" dirty="0">
+                <a:solidFill>
+                  <a:schemeClr val="bg1">
+                    <a:lumMod val="65000"/>
+                  </a:schemeClr>
+                </a:solidFill>
+              </a:rPr>
+              <a:t>© Copyright 2000-</a:t>
+            </a:r>
+            <a:r>
+              <a:rPr lang="is-IS" sz="800">
+                <a:solidFill>
+                  <a:schemeClr val="bg1">
+                    <a:lumMod val="65000"/>
+                  </a:schemeClr>
+                </a:solidFill>
+              </a:rPr>
+              <a:t>2017</a:t>
+            </a:r>
+            <a:r>
+              <a:rPr lang="en-US" sz="800">
+                <a:solidFill>
+                  <a:schemeClr val="bg1">
+                    <a:lumMod val="65000"/>
+                  </a:schemeClr>
+                </a:solidFill>
+              </a:rPr>
+              <a:t> </a:t>
+            </a:r>
+            <a:r>
+              <a:rPr lang="en-US" sz="800" dirty="0">
+                <a:solidFill>
+                  <a:schemeClr val="bg1">
+                    <a:lumMod val="65000"/>
+                  </a:schemeClr>
+                </a:solidFill>
+              </a:rPr>
+              <a:t>TIBCO Software Inc.      </a:t>
+            </a:r>
+          </a:p>
+        </p:txBody>
+      </p:sp>
+    </p:spTree>
+    <p:extLst>
+      <p:ext uri="{BB962C8B-B14F-4D97-AF65-F5344CB8AC3E}">
+        <p14:creationId xmlns:p14="http://schemas.microsoft.com/office/powerpoint/2010/main" val="1065168163"/>
+      </p:ext>
+    </p:extLst>
+  </p:cSld>
+  <p:clrMapOvr>
+    <a:masterClrMapping/>
+  </p:clrMapOvr>
+  <mc:AlternateContent xmlns:mc="http://schemas.openxmlformats.org/markup-compatibility/2006" xmlns:p14="http://schemas.microsoft.com/office/powerpoint/2010/main">
+    <mc:Choice Requires="p14">
+      <p:transition spd="med" p14:dur="700">
+        <p:fade/>
+      </p:transition>
+    </mc:Choice>
+    <mc:Fallback xmlns="">
+      <p:transition xmlns:p14="http://schemas.microsoft.com/office/powerpoint/2010/main" spd="med">
+        <p:fade/>
+      </p:transition>
+    </mc:Fallback>
+  </mc:AlternateContent>
+</p:sld>
+</file>
+
+<file path=ppt/slides/slide18.xml><?xml version="1.0" encoding="utf-8"?>
+<p:sld xmlns:a="http://schemas.openxmlformats.org/drawingml/2006/main" xmlns:r="http://schemas.openxmlformats.org/officeDocument/2006/relationships" xmlns:p="http://schemas.openxmlformats.org/presentationml/2006/main">
+  <p:cSld>
+    <p:spTree>
+      <p:nvGrpSpPr>
+        <p:cNvPr id="1" name=""/>
+        <p:cNvGrpSpPr/>
+        <p:nvPr/>
+      </p:nvGrpSpPr>
+      <p:grpSpPr>
+        <a:xfrm>
+          <a:off x="0" y="0"/>
+          <a:ext cx="0" cy="0"/>
+          <a:chOff x="0" y="0"/>
+          <a:chExt cx="0" cy="0"/>
+        </a:xfrm>
+      </p:grpSpPr>
       <p:pic>
         <p:nvPicPr>
-          <p:cNvPr id="2" name="Picture 1">
+          <p:cNvPr id="3" name="Picture 2">
             <a:extLst>
               <a:ext uri="{FF2B5EF4-FFF2-40B4-BE49-F238E27FC236}">
-                <a16:creationId xmlns:a16="http://schemas.microsoft.com/office/drawing/2014/main" id="{A4751008-1A57-DB43-8F0B-C1696E5165E9}"/>
+                <a16:creationId xmlns:a16="http://schemas.microsoft.com/office/drawing/2014/main" id="{840D8ADB-8931-384C-8FED-2842E4EEA19F}"/>
               </a:ext>
             </a:extLst>
           </p:cNvPr>
@@ -20078,8 +20865,8 @@
         </p:blipFill>
         <p:spPr>
           <a:xfrm>
-            <a:off x="56802" y="878051"/>
-            <a:ext cx="3282536" cy="2474117"/>
+            <a:off x="69156" y="878051"/>
+            <a:ext cx="3260036" cy="2440598"/>
           </a:xfrm>
           <a:prstGeom prst="rect">
             <a:avLst/>
@@ -21402,7 +22189,7 @@
 </p:sld>
 </file>
 
-<file path=ppt/slides/slide18.xml><?xml version="1.0" encoding="utf-8"?>
+<file path=ppt/slides/slide19.xml><?xml version="1.0" encoding="utf-8"?>
 <p:sld xmlns:a="http://schemas.openxmlformats.org/drawingml/2006/main" xmlns:r="http://schemas.openxmlformats.org/officeDocument/2006/relationships" xmlns:p="http://schemas.openxmlformats.org/presentationml/2006/main">
   <p:cSld>
     <p:spTree>
@@ -21421,10 +22208,10 @@
       </p:grpSpPr>
       <p:pic>
         <p:nvPicPr>
-          <p:cNvPr id="2" name="Picture 1">
+          <p:cNvPr id="37" name="Picture 36">
             <a:extLst>
               <a:ext uri="{FF2B5EF4-FFF2-40B4-BE49-F238E27FC236}">
-                <a16:creationId xmlns:a16="http://schemas.microsoft.com/office/drawing/2014/main" id="{A4751008-1A57-DB43-8F0B-C1696E5165E9}"/>
+                <a16:creationId xmlns:a16="http://schemas.microsoft.com/office/drawing/2014/main" id="{6EE0FC3E-9C35-FC4E-8DE8-EE991B185F00}"/>
               </a:ext>
             </a:extLst>
           </p:cNvPr>
@@ -21441,8 +22228,8 @@
         </p:blipFill>
         <p:spPr>
           <a:xfrm>
-            <a:off x="40344" y="877341"/>
-            <a:ext cx="3282536" cy="2474117"/>
+            <a:off x="84524" y="878051"/>
+            <a:ext cx="3260036" cy="2440598"/>
           </a:xfrm>
           <a:prstGeom prst="rect">
             <a:avLst/>
@@ -23185,36 +23972,6 @@
 </p:sld>
 </file>
 
-<file path=ppt/slides/slide19.xml><?xml version="1.0" encoding="utf-8"?>
-<p:sld xmlns:a="http://schemas.openxmlformats.org/drawingml/2006/main" xmlns:r="http://schemas.openxmlformats.org/officeDocument/2006/relationships" xmlns:p="http://schemas.openxmlformats.org/presentationml/2006/main">
-  <p:cSld>
-    <p:spTree>
-      <p:nvGrpSpPr>
-        <p:cNvPr id="1" name=""/>
-        <p:cNvGrpSpPr/>
-        <p:nvPr/>
-      </p:nvGrpSpPr>
-      <p:grpSpPr>
-        <a:xfrm>
-          <a:off x="0" y="0"/>
-          <a:ext cx="0" cy="0"/>
-          <a:chOff x="0" y="0"/>
-          <a:chExt cx="0" cy="0"/>
-        </a:xfrm>
-      </p:grpSpPr>
-    </p:spTree>
-    <p:extLst>
-      <p:ext uri="{BB962C8B-B14F-4D97-AF65-F5344CB8AC3E}">
-        <p14:creationId xmlns:p14="http://schemas.microsoft.com/office/powerpoint/2010/main" val="2912246759"/>
-      </p:ext>
-    </p:extLst>
-  </p:cSld>
-  <p:clrMapOvr>
-    <a:masterClrMapping/>
-  </p:clrMapOvr>
-</p:sld>
-</file>
-
 <file path=ppt/slides/slide2.xml><?xml version="1.0" encoding="utf-8"?>
 <p:sld xmlns:a="http://schemas.openxmlformats.org/drawingml/2006/main" xmlns:r="http://schemas.openxmlformats.org/officeDocument/2006/relationships" xmlns:p="http://schemas.openxmlformats.org/presentationml/2006/main">
   <p:cSld>
@@ -23264,7 +24021,7 @@
             <p:ph idx="1"/>
             <p:extLst>
               <p:ext uri="{D42A27DB-BD31-4B8C-83A1-F6EECF244321}">
-                <p14:modId xmlns:p14="http://schemas.microsoft.com/office/powerpoint/2010/main" val="767604948"/>
+                <p14:modId xmlns:p14="http://schemas.microsoft.com/office/powerpoint/2010/main" val="662027599"/>
               </p:ext>
             </p:extLst>
           </p:nvPr>
@@ -23334,7 +24091,491 @@
 </p:sld>
 </file>
 
+<file path=ppt/slides/slide20.xml><?xml version="1.0" encoding="utf-8"?>
+<p:sld xmlns:a="http://schemas.openxmlformats.org/drawingml/2006/main" xmlns:r="http://schemas.openxmlformats.org/officeDocument/2006/relationships" xmlns:p="http://schemas.openxmlformats.org/presentationml/2006/main">
+  <p:cSld>
+    <p:spTree>
+      <p:nvGrpSpPr>
+        <p:cNvPr id="1" name=""/>
+        <p:cNvGrpSpPr/>
+        <p:nvPr/>
+      </p:nvGrpSpPr>
+      <p:grpSpPr>
+        <a:xfrm>
+          <a:off x="0" y="0"/>
+          <a:ext cx="0" cy="0"/>
+          <a:chOff x="0" y="0"/>
+          <a:chExt cx="0" cy="0"/>
+        </a:xfrm>
+      </p:grpSpPr>
+    </p:spTree>
+    <p:extLst>
+      <p:ext uri="{BB962C8B-B14F-4D97-AF65-F5344CB8AC3E}">
+        <p14:creationId xmlns:p14="http://schemas.microsoft.com/office/powerpoint/2010/main" val="2912246759"/>
+      </p:ext>
+    </p:extLst>
+  </p:cSld>
+  <p:clrMapOvr>
+    <a:masterClrMapping/>
+  </p:clrMapOvr>
+</p:sld>
+</file>
+
 <file path=ppt/slides/slide3.xml><?xml version="1.0" encoding="utf-8"?>
+<p:sld xmlns:a="http://schemas.openxmlformats.org/drawingml/2006/main" xmlns:r="http://schemas.openxmlformats.org/officeDocument/2006/relationships" xmlns:p="http://schemas.openxmlformats.org/presentationml/2006/main">
+  <p:cSld>
+    <p:spTree>
+      <p:nvGrpSpPr>
+        <p:cNvPr id="1" name=""/>
+        <p:cNvGrpSpPr/>
+        <p:nvPr/>
+      </p:nvGrpSpPr>
+      <p:grpSpPr>
+        <a:xfrm>
+          <a:off x="0" y="0"/>
+          <a:ext cx="0" cy="0"/>
+          <a:chOff x="0" y="0"/>
+          <a:chExt cx="0" cy="0"/>
+        </a:xfrm>
+      </p:grpSpPr>
+      <p:sp>
+        <p:nvSpPr>
+          <p:cNvPr id="15363" name="Rectangle 2"/>
+          <p:cNvSpPr>
+            <a:spLocks noGrp="1"/>
+          </p:cNvSpPr>
+          <p:nvPr>
+            <p:ph type="title"/>
+          </p:nvPr>
+        </p:nvSpPr>
+        <p:spPr>
+          <a:xfrm>
+            <a:off x="1401287" y="12250"/>
+            <a:ext cx="7416371" cy="721928"/>
+          </a:xfrm>
+        </p:spPr>
+        <p:txBody>
+          <a:bodyPr/>
+          <a:lstStyle/>
+          <a:p>
+            <a:pPr eaLnBrk="1" hangingPunct="1"/>
+            <a:r>
+              <a:rPr lang="en-US" dirty="0">
+                <a:solidFill>
+                  <a:schemeClr val="bg1"/>
+                </a:solidFill>
+              </a:rPr>
+              <a:t>KPImetrics Description</a:t>
+            </a:r>
+            <a:br>
+              <a:rPr lang="en-US" dirty="0">
+                <a:solidFill>
+                  <a:schemeClr val="bg1"/>
+                </a:solidFill>
+              </a:rPr>
+            </a:br>
+            <a:endParaRPr lang="en-US" sz="1275" dirty="0">
+              <a:solidFill>
+                <a:schemeClr val="bg1"/>
+              </a:solidFill>
+            </a:endParaRPr>
+          </a:p>
+        </p:txBody>
+      </p:sp>
+      <p:sp>
+        <p:nvSpPr>
+          <p:cNvPr id="15364" name="Rectangle 3"/>
+          <p:cNvSpPr>
+            <a:spLocks noGrp="1"/>
+          </p:cNvSpPr>
+          <p:nvPr>
+            <p:ph type="body" idx="1"/>
+          </p:nvPr>
+        </p:nvSpPr>
+        <p:spPr>
+          <a:xfrm>
+            <a:off x="458272" y="948584"/>
+            <a:ext cx="8514812" cy="3734146"/>
+          </a:xfrm>
+        </p:spPr>
+        <p:txBody>
+          <a:bodyPr>
+            <a:normAutofit/>
+          </a:bodyPr>
+          <a:lstStyle/>
+          <a:p>
+            <a:pPr>
+              <a:buClr>
+                <a:srgbClr val="0070C0"/>
+              </a:buClr>
+              <a:buFont typeface="Arial" charset="0"/>
+              <a:buChar char="•"/>
+            </a:pPr>
+            <a:r>
+              <a:rPr lang="en-US" sz="2100" dirty="0">
+                <a:solidFill>
+                  <a:srgbClr val="061C23"/>
+                </a:solidFill>
+              </a:rPr>
+              <a:t>KPI metrics</a:t>
+            </a:r>
+            <a:endParaRPr lang="en-US" dirty="0">
+              <a:solidFill>
+                <a:srgbClr val="061C23"/>
+              </a:solidFill>
+            </a:endParaRPr>
+          </a:p>
+          <a:p>
+            <a:pPr marL="685800" lvl="1" indent="-342900">
+              <a:buClr>
+                <a:srgbClr val="0070C0"/>
+              </a:buClr>
+              <a:buFont typeface="Courier New" charset="0"/>
+              <a:buChar char="o"/>
+            </a:pPr>
+            <a:r>
+              <a:rPr lang="en-US" sz="1500" dirty="0">
+                <a:solidFill>
+                  <a:srgbClr val="061C23"/>
+                </a:solidFill>
+              </a:rPr>
+              <a:t>Provides a data mart around the out-of-the-box metrics tables to manage data collection and reporting.</a:t>
+            </a:r>
+          </a:p>
+          <a:p>
+            <a:pPr marL="685800" lvl="1" indent="-342900">
+              <a:buClr>
+                <a:srgbClr val="0070C0"/>
+              </a:buClr>
+              <a:buFont typeface="Courier New" charset="0"/>
+              <a:buChar char="o"/>
+            </a:pPr>
+            <a:r>
+              <a:rPr lang="en-US" sz="1500" dirty="0">
+                <a:solidFill>
+                  <a:srgbClr val="061C23"/>
+                </a:solidFill>
+              </a:rPr>
+              <a:t>Reporting is based on executed queries.  Who executed what resource and when.</a:t>
+            </a:r>
+          </a:p>
+          <a:p>
+            <a:pPr marL="685800" lvl="1" indent="-342900">
+              <a:buClr>
+                <a:srgbClr val="0070C0"/>
+              </a:buClr>
+              <a:buFont typeface="Courier New" charset="0"/>
+              <a:buChar char="o"/>
+            </a:pPr>
+            <a:r>
+              <a:rPr lang="en-US" sz="1500" dirty="0">
+                <a:solidFill>
+                  <a:srgbClr val="061C23"/>
+                </a:solidFill>
+              </a:rPr>
+              <a:t>Report on other DV system tables such as IO, DISK, MEMORY, CACHE, DATASOURCES, and CPU</a:t>
+            </a:r>
+          </a:p>
+          <a:p>
+            <a:pPr>
+              <a:buClr>
+                <a:srgbClr val="0070C0"/>
+              </a:buClr>
+              <a:buFont typeface="Arial" charset="0"/>
+              <a:buChar char="•"/>
+            </a:pPr>
+            <a:r>
+              <a:rPr lang="en-US" sz="2100" dirty="0">
+                <a:solidFill>
+                  <a:srgbClr val="061C23"/>
+                </a:solidFill>
+              </a:rPr>
+              <a:t>KPI metadata</a:t>
+            </a:r>
+            <a:endParaRPr lang="en-US" dirty="0">
+              <a:solidFill>
+                <a:srgbClr val="061C23"/>
+              </a:solidFill>
+            </a:endParaRPr>
+          </a:p>
+          <a:p>
+            <a:pPr lvl="1" indent="-342900">
+              <a:buClr>
+                <a:srgbClr val="0070C0"/>
+              </a:buClr>
+              <a:buFont typeface="Courier New" charset="0"/>
+              <a:buChar char="o"/>
+            </a:pPr>
+            <a:r>
+              <a:rPr lang="en-US" sz="1500" dirty="0">
+                <a:solidFill>
+                  <a:srgbClr val="061C23"/>
+                </a:solidFill>
+              </a:rPr>
+              <a:t>Provides scheduled collection of resource metadata including:</a:t>
+            </a:r>
+          </a:p>
+          <a:p>
+            <a:pPr lvl="2" indent="-342900">
+              <a:buClr>
+                <a:srgbClr val="0070C0"/>
+              </a:buClr>
+              <a:buFont typeface="Courier New" charset="0"/>
+              <a:buChar char="o"/>
+            </a:pPr>
+            <a:r>
+              <a:rPr lang="en-US" sz="1500" dirty="0">
+                <a:solidFill>
+                  <a:srgbClr val="061C23"/>
+                </a:solidFill>
+              </a:rPr>
+              <a:t>Resources, Columns, Lineage, </a:t>
+            </a:r>
+            <a:r>
+              <a:rPr lang="en-US" sz="1500" dirty="0" err="1">
+                <a:solidFill>
+                  <a:srgbClr val="061C23"/>
+                </a:solidFill>
+              </a:rPr>
+              <a:t>Datasources</a:t>
+            </a:r>
+            <a:r>
+              <a:rPr lang="en-US" sz="1500" dirty="0">
+                <a:solidFill>
+                  <a:srgbClr val="061C23"/>
+                </a:solidFill>
+              </a:rPr>
+              <a:t>, Row-based security, Column-based security, and Privileges.</a:t>
+            </a:r>
+          </a:p>
+          <a:p>
+            <a:pPr lvl="2" indent="-342900">
+              <a:buClr>
+                <a:srgbClr val="0070C0"/>
+              </a:buClr>
+              <a:buFont typeface="Courier New" charset="0"/>
+              <a:buChar char="o"/>
+            </a:pPr>
+            <a:r>
+              <a:rPr lang="en-US" sz="1500" dirty="0">
+                <a:solidFill>
+                  <a:srgbClr val="061C23"/>
+                </a:solidFill>
+              </a:rPr>
+              <a:t>Provides a strategy for enforcing required columns and view layer invocations.</a:t>
+            </a:r>
+          </a:p>
+          <a:p>
+            <a:pPr lvl="2" indent="-342900">
+              <a:buClr>
+                <a:srgbClr val="0070C0"/>
+              </a:buClr>
+              <a:buFont typeface="Courier New" charset="0"/>
+              <a:buChar char="o"/>
+            </a:pPr>
+            <a:r>
+              <a:rPr lang="en-US" sz="1500" dirty="0">
+                <a:solidFill>
+                  <a:srgbClr val="061C23"/>
+                </a:solidFill>
+              </a:rPr>
+              <a:t>Provides a set of constant tables to define layers, paths and enforcement rules.</a:t>
+            </a:r>
+          </a:p>
+          <a:p>
+            <a:pPr lvl="1" indent="-342900">
+              <a:buClr>
+                <a:srgbClr val="0070C0"/>
+              </a:buClr>
+              <a:buFont typeface="Courier New" charset="0"/>
+              <a:buChar char="o"/>
+            </a:pPr>
+            <a:r>
+              <a:rPr lang="en-US" sz="1500" dirty="0">
+                <a:solidFill>
+                  <a:srgbClr val="061C23"/>
+                </a:solidFill>
+              </a:rPr>
+              <a:t>Report on who modified what resource last and how many resources are in what layers.</a:t>
+            </a:r>
+          </a:p>
+        </p:txBody>
+      </p:sp>
+      <p:sp>
+        <p:nvSpPr>
+          <p:cNvPr id="60" name="Footer Placeholder 3"/>
+          <p:cNvSpPr txBox="1">
+            <a:spLocks/>
+          </p:cNvSpPr>
+          <p:nvPr/>
+        </p:nvSpPr>
+        <p:spPr>
+          <a:xfrm>
+            <a:off x="3124200" y="4889181"/>
+            <a:ext cx="2895600" cy="273844"/>
+          </a:xfrm>
+          <a:prstGeom prst="rect">
+            <a:avLst/>
+          </a:prstGeom>
+        </p:spPr>
+        <p:txBody>
+          <a:bodyPr/>
+          <a:lstStyle>
+            <a:defPPr>
+              <a:defRPr lang="en-US"/>
+            </a:defPPr>
+            <a:lvl1pPr marL="0" algn="l" defTabSz="408194" rtl="0" eaLnBrk="1" latinLnBrk="0" hangingPunct="1">
+              <a:defRPr sz="1600" kern="1200">
+                <a:solidFill>
+                  <a:schemeClr val="tx1"/>
+                </a:solidFill>
+                <a:latin typeface="+mn-lt"/>
+                <a:ea typeface="+mn-ea"/>
+                <a:cs typeface="+mn-cs"/>
+              </a:defRPr>
+            </a:lvl1pPr>
+            <a:lvl2pPr marL="408194" algn="l" defTabSz="408194" rtl="0" eaLnBrk="1" latinLnBrk="0" hangingPunct="1">
+              <a:defRPr sz="1600" kern="1200">
+                <a:solidFill>
+                  <a:schemeClr val="tx1"/>
+                </a:solidFill>
+                <a:latin typeface="+mn-lt"/>
+                <a:ea typeface="+mn-ea"/>
+                <a:cs typeface="+mn-cs"/>
+              </a:defRPr>
+            </a:lvl2pPr>
+            <a:lvl3pPr marL="816388" algn="l" defTabSz="408194" rtl="0" eaLnBrk="1" latinLnBrk="0" hangingPunct="1">
+              <a:defRPr sz="1600" kern="1200">
+                <a:solidFill>
+                  <a:schemeClr val="tx1"/>
+                </a:solidFill>
+                <a:latin typeface="+mn-lt"/>
+                <a:ea typeface="+mn-ea"/>
+                <a:cs typeface="+mn-cs"/>
+              </a:defRPr>
+            </a:lvl3pPr>
+            <a:lvl4pPr marL="1224582" algn="l" defTabSz="408194" rtl="0" eaLnBrk="1" latinLnBrk="0" hangingPunct="1">
+              <a:defRPr sz="1600" kern="1200">
+                <a:solidFill>
+                  <a:schemeClr val="tx1"/>
+                </a:solidFill>
+                <a:latin typeface="+mn-lt"/>
+                <a:ea typeface="+mn-ea"/>
+                <a:cs typeface="+mn-cs"/>
+              </a:defRPr>
+            </a:lvl4pPr>
+            <a:lvl5pPr marL="1632776" algn="l" defTabSz="408194" rtl="0" eaLnBrk="1" latinLnBrk="0" hangingPunct="1">
+              <a:defRPr sz="1600" kern="1200">
+                <a:solidFill>
+                  <a:schemeClr val="tx1"/>
+                </a:solidFill>
+                <a:latin typeface="+mn-lt"/>
+                <a:ea typeface="+mn-ea"/>
+                <a:cs typeface="+mn-cs"/>
+              </a:defRPr>
+            </a:lvl5pPr>
+            <a:lvl6pPr marL="2040969" algn="l" defTabSz="408194" rtl="0" eaLnBrk="1" latinLnBrk="0" hangingPunct="1">
+              <a:defRPr sz="1600" kern="1200">
+                <a:solidFill>
+                  <a:schemeClr val="tx1"/>
+                </a:solidFill>
+                <a:latin typeface="+mn-lt"/>
+                <a:ea typeface="+mn-ea"/>
+                <a:cs typeface="+mn-cs"/>
+              </a:defRPr>
+            </a:lvl6pPr>
+            <a:lvl7pPr marL="2449163" algn="l" defTabSz="408194" rtl="0" eaLnBrk="1" latinLnBrk="0" hangingPunct="1">
+              <a:defRPr sz="1600" kern="1200">
+                <a:solidFill>
+                  <a:schemeClr val="tx1"/>
+                </a:solidFill>
+                <a:latin typeface="+mn-lt"/>
+                <a:ea typeface="+mn-ea"/>
+                <a:cs typeface="+mn-cs"/>
+              </a:defRPr>
+            </a:lvl7pPr>
+            <a:lvl8pPr marL="2857357" algn="l" defTabSz="408194" rtl="0" eaLnBrk="1" latinLnBrk="0" hangingPunct="1">
+              <a:defRPr sz="1600" kern="1200">
+                <a:solidFill>
+                  <a:schemeClr val="tx1"/>
+                </a:solidFill>
+                <a:latin typeface="+mn-lt"/>
+                <a:ea typeface="+mn-ea"/>
+                <a:cs typeface="+mn-cs"/>
+              </a:defRPr>
+            </a:lvl8pPr>
+            <a:lvl9pPr marL="3265551" algn="l" defTabSz="408194" rtl="0" eaLnBrk="1" latinLnBrk="0" hangingPunct="1">
+              <a:defRPr sz="1600" kern="1200">
+                <a:solidFill>
+                  <a:schemeClr val="tx1"/>
+                </a:solidFill>
+                <a:latin typeface="+mn-lt"/>
+                <a:ea typeface="+mn-ea"/>
+                <a:cs typeface="+mn-cs"/>
+              </a:defRPr>
+            </a:lvl9pPr>
+          </a:lstStyle>
+          <a:p>
+            <a:pPr algn="ctr"/>
+            <a:r>
+              <a:rPr lang="en-US" sz="800" dirty="0">
+                <a:solidFill>
+                  <a:schemeClr val="bg1">
+                    <a:lumMod val="65000"/>
+                  </a:schemeClr>
+                </a:solidFill>
+              </a:rPr>
+              <a:t>© Copyright 2000-</a:t>
+            </a:r>
+            <a:r>
+              <a:rPr lang="is-IS" sz="800" dirty="0">
+                <a:solidFill>
+                  <a:schemeClr val="bg1">
+                    <a:lumMod val="65000"/>
+                  </a:schemeClr>
+                </a:solidFill>
+              </a:rPr>
+              <a:t>2017</a:t>
+            </a:r>
+            <a:r>
+              <a:rPr lang="en-US" sz="800" dirty="0">
+                <a:solidFill>
+                  <a:schemeClr val="bg1">
+                    <a:lumMod val="65000"/>
+                  </a:schemeClr>
+                </a:solidFill>
+              </a:rPr>
+              <a:t> TIBCO Software Inc.      </a:t>
+            </a:r>
+          </a:p>
+        </p:txBody>
+      </p:sp>
+    </p:spTree>
+    <p:extLst>
+      <p:ext uri="{BB962C8B-B14F-4D97-AF65-F5344CB8AC3E}">
+        <p14:creationId xmlns:p14="http://schemas.microsoft.com/office/powerpoint/2010/main" val="570393861"/>
+      </p:ext>
+    </p:extLst>
+  </p:cSld>
+  <p:clrMapOvr>
+    <a:masterClrMapping/>
+  </p:clrMapOvr>
+  <mc:AlternateContent xmlns:mc="http://schemas.openxmlformats.org/markup-compatibility/2006" xmlns:p14="http://schemas.microsoft.com/office/powerpoint/2010/main">
+    <mc:Choice Requires="p14">
+      <p:transition spd="med" p14:dur="700">
+        <p:fade/>
+      </p:transition>
+    </mc:Choice>
+    <mc:Fallback xmlns="">
+      <p:transition xmlns:p14="http://schemas.microsoft.com/office/powerpoint/2010/main" spd="med">
+        <p:fade/>
+      </p:transition>
+    </mc:Fallback>
+  </mc:AlternateContent>
+</p:sld>
+</file>
+
+<file path=ppt/slides/slide4.xml><?xml version="1.0" encoding="utf-8"?>
 <p:sld xmlns:a="http://schemas.openxmlformats.org/drawingml/2006/main" xmlns:r="http://schemas.openxmlformats.org/officeDocument/2006/relationships" xmlns:p="http://schemas.openxmlformats.org/presentationml/2006/main">
   <p:cSld>
     <p:spTree>
@@ -23531,7 +24772,7 @@
 </p:sld>
 </file>
 
-<file path=ppt/slides/slide4.xml><?xml version="1.0" encoding="utf-8"?>
+<file path=ppt/slides/slide5.xml><?xml version="1.0" encoding="utf-8"?>
 <p:sld xmlns:a="http://schemas.openxmlformats.org/drawingml/2006/main" xmlns:r="http://schemas.openxmlformats.org/officeDocument/2006/relationships" xmlns:p="http://schemas.openxmlformats.org/presentationml/2006/main">
   <p:cSld>
     <p:spTree>
@@ -23923,7 +25164,7 @@
 </p:sld>
 </file>
 
-<file path=ppt/slides/slide5.xml><?xml version="1.0" encoding="utf-8"?>
+<file path=ppt/slides/slide6.xml><?xml version="1.0" encoding="utf-8"?>
 <p:sld xmlns:a="http://schemas.openxmlformats.org/drawingml/2006/main" xmlns:r="http://schemas.openxmlformats.org/officeDocument/2006/relationships" xmlns:p="http://schemas.openxmlformats.org/presentationml/2006/main">
   <p:cSld>
     <p:spTree>
@@ -25482,8 +26723,8 @@
         </p:nvGrpSpPr>
         <p:grpSpPr>
           <a:xfrm>
-            <a:off x="4777214" y="1921967"/>
-            <a:ext cx="1914345" cy="777211"/>
+            <a:off x="4777216" y="1921967"/>
+            <a:ext cx="1914344" cy="777211"/>
             <a:chOff x="4845618" y="2388454"/>
             <a:chExt cx="2552460" cy="1036281"/>
           </a:xfrm>
@@ -25598,10 +26839,10 @@
           </p:nvGrpSpPr>
           <p:grpSpPr>
             <a:xfrm>
-              <a:off x="6463521" y="2887672"/>
-              <a:ext cx="848404" cy="475254"/>
-              <a:chOff x="2458010" y="3942205"/>
-              <a:chExt cx="1504815" cy="357684"/>
+              <a:off x="6658176" y="2918401"/>
+              <a:ext cx="701230" cy="456924"/>
+              <a:chOff x="2803281" y="3965338"/>
+              <a:chExt cx="1243774" cy="343889"/>
             </a:xfrm>
             <a:solidFill>
               <a:srgbClr val="E7F6FF"/>
@@ -25615,8 +26856,8 @@
             </p:nvSpPr>
             <p:spPr bwMode="auto">
               <a:xfrm>
-                <a:off x="2458010" y="3942205"/>
-                <a:ext cx="1504815" cy="343889"/>
+                <a:off x="2803281" y="3965338"/>
+                <a:ext cx="1206261" cy="343889"/>
               </a:xfrm>
               <a:prstGeom prst="roundRect">
                 <a:avLst/>
@@ -25665,8 +26906,8 @@
             </p:nvSpPr>
             <p:spPr>
               <a:xfrm>
-                <a:off x="2477771" y="3975597"/>
-                <a:ext cx="1485054" cy="324292"/>
+                <a:off x="2820450" y="3983421"/>
+                <a:ext cx="1226605" cy="324292"/>
               </a:xfrm>
               <a:prstGeom prst="rect">
                 <a:avLst/>
@@ -26016,10 +27257,10 @@
           </p:nvGrpSpPr>
           <p:grpSpPr>
             <a:xfrm>
-              <a:off x="1544257" y="2877110"/>
-              <a:ext cx="916738" cy="475254"/>
-              <a:chOff x="551886" y="3942205"/>
-              <a:chExt cx="1626021" cy="357684"/>
+              <a:off x="1454127" y="2890752"/>
+              <a:ext cx="790708" cy="443293"/>
+              <a:chOff x="392019" y="3952465"/>
+              <a:chExt cx="1402481" cy="333629"/>
             </a:xfrm>
             <a:solidFill>
               <a:srgbClr val="E7F6FF"/>
@@ -26033,8 +27274,8 @@
             </p:nvSpPr>
             <p:spPr bwMode="auto">
               <a:xfrm>
-                <a:off x="551886" y="3942205"/>
-                <a:ext cx="1626021" cy="343889"/>
+                <a:off x="479869" y="3960531"/>
+                <a:ext cx="1306441" cy="325563"/>
               </a:xfrm>
               <a:prstGeom prst="roundRect">
                 <a:avLst/>
@@ -26083,8 +27324,8 @@
             </p:nvSpPr>
             <p:spPr>
               <a:xfrm>
-                <a:off x="588363" y="3975597"/>
-                <a:ext cx="1506391" cy="324292"/>
+                <a:off x="392019" y="3952465"/>
+                <a:ext cx="1402481" cy="324292"/>
               </a:xfrm>
               <a:prstGeom prst="rect">
                 <a:avLst/>
@@ -26446,10 +27687,10 @@
         </p:nvGrpSpPr>
         <p:grpSpPr>
           <a:xfrm>
-            <a:off x="3883514" y="994862"/>
-            <a:ext cx="1270380" cy="387160"/>
-            <a:chOff x="1538396" y="3942205"/>
-            <a:chExt cx="1504817" cy="343889"/>
+            <a:off x="3845153" y="994862"/>
+            <a:ext cx="1400811" cy="387160"/>
+            <a:chOff x="1492956" y="3942205"/>
+            <a:chExt cx="1659318" cy="343889"/>
           </a:xfrm>
           <a:solidFill>
             <a:srgbClr val="E7F6FF"/>
@@ -26513,8 +27754,8 @@
           </p:nvSpPr>
           <p:spPr>
             <a:xfrm>
-              <a:off x="1574875" y="3975597"/>
-              <a:ext cx="1468338" cy="287046"/>
+              <a:off x="1492956" y="3975597"/>
+              <a:ext cx="1659318" cy="287046"/>
             </a:xfrm>
             <a:prstGeom prst="rect">
               <a:avLst/>
@@ -26532,7 +27773,7 @@
             <a:p>
               <a:r>
                 <a:rPr lang="en-US" sz="750" dirty="0"/>
-                <a:t>Metrics Reports</a:t>
+                <a:t>Metrics &amp; Metadata Reports</a:t>
               </a:r>
             </a:p>
             <a:p>
@@ -26999,10 +28240,246 @@
           </a:p>
         </p:txBody>
       </p:sp>
+      <p:grpSp>
+        <p:nvGrpSpPr>
+          <p:cNvPr id="2" name="Group 1">
+            <a:extLst>
+              <a:ext uri="{FF2B5EF4-FFF2-40B4-BE49-F238E27FC236}">
+                <a16:creationId xmlns:a16="http://schemas.microsoft.com/office/drawing/2014/main" id="{EEB04848-D42D-3242-882B-252BBED5A190}"/>
+              </a:ext>
+            </a:extLst>
+          </p:cNvPr>
+          <p:cNvGrpSpPr/>
+          <p:nvPr/>
+        </p:nvGrpSpPr>
+        <p:grpSpPr>
+          <a:xfrm>
+            <a:off x="2823164" y="2288808"/>
+            <a:ext cx="616142" cy="342693"/>
+            <a:chOff x="1285389" y="2358210"/>
+            <a:chExt cx="616142" cy="342693"/>
+          </a:xfrm>
+        </p:grpSpPr>
+        <p:sp>
+          <p:nvSpPr>
+            <p:cNvPr id="128" name="Rounded Rectangle 127">
+              <a:extLst>
+                <a:ext uri="{FF2B5EF4-FFF2-40B4-BE49-F238E27FC236}">
+                  <a16:creationId xmlns:a16="http://schemas.microsoft.com/office/drawing/2014/main" id="{94C3CC11-6E0A-C441-9FC3-43EFDB75C25A}"/>
+                </a:ext>
+              </a:extLst>
+            </p:cNvPr>
+            <p:cNvSpPr/>
+            <p:nvPr/>
+          </p:nvSpPr>
+          <p:spPr bwMode="auto">
+            <a:xfrm>
+              <a:off x="1310117" y="2358210"/>
+              <a:ext cx="571285" cy="342693"/>
+            </a:xfrm>
+            <a:prstGeom prst="roundRect">
+              <a:avLst/>
+            </a:prstGeom>
+            <a:solidFill>
+              <a:srgbClr val="E7F6FF"/>
+            </a:solidFill>
+            <a:ln w="9525" cap="flat" cmpd="sng" algn="ctr">
+              <a:noFill/>
+              <a:prstDash val="solid"/>
+              <a:round/>
+              <a:headEnd type="none" w="med" len="med"/>
+              <a:tailEnd type="none" w="med" len="med"/>
+            </a:ln>
+            <a:effectLst/>
+            <a:extLst/>
+          </p:spPr>
+          <p:txBody>
+            <a:bodyPr vert="horz" wrap="none" lIns="68580" tIns="34290" rIns="68580" bIns="34290" numCol="1" rtlCol="0" anchor="ctr" anchorCtr="0" compatLnSpc="1">
+              <a:prstTxWarp prst="textNoShape">
+                <a:avLst/>
+              </a:prstTxWarp>
+            </a:bodyPr>
+            <a:lstStyle/>
+            <a:p>
+              <a:pPr algn="ctr" defTabSz="685800" eaLnBrk="0" fontAlgn="base" hangingPunct="0">
+                <a:spcBef>
+                  <a:spcPct val="0"/>
+                </a:spcBef>
+                <a:spcAft>
+                  <a:spcPct val="0"/>
+                </a:spcAft>
+              </a:pPr>
+              <a:endParaRPr lang="en-US" sz="750">
+                <a:solidFill>
+                  <a:srgbClr val="000000"/>
+                </a:solidFill>
+                <a:latin typeface="Arial" charset="0"/>
+              </a:endParaRPr>
+            </a:p>
+          </p:txBody>
+        </p:sp>
+        <p:sp>
+          <p:nvSpPr>
+            <p:cNvPr id="148" name="TextBox 147">
+              <a:extLst>
+                <a:ext uri="{FF2B5EF4-FFF2-40B4-BE49-F238E27FC236}">
+                  <a16:creationId xmlns:a16="http://schemas.microsoft.com/office/drawing/2014/main" id="{2A8F7943-BA0F-1B4D-A5DB-0443005DC743}"/>
+                </a:ext>
+              </a:extLst>
+            </p:cNvPr>
+            <p:cNvSpPr txBox="1"/>
+            <p:nvPr/>
+          </p:nvSpPr>
+          <p:spPr>
+            <a:xfrm>
+              <a:off x="1285389" y="2366457"/>
+              <a:ext cx="616142" cy="323165"/>
+            </a:xfrm>
+            <a:prstGeom prst="rect">
+              <a:avLst/>
+            </a:prstGeom>
+            <a:noFill/>
+            <a:ln>
+              <a:noFill/>
+            </a:ln>
+          </p:spPr>
+          <p:txBody>
+            <a:bodyPr wrap="square" rtlCol="0">
+              <a:spAutoFit/>
+            </a:bodyPr>
+            <a:lstStyle/>
+            <a:p>
+              <a:pPr algn="ctr"/>
+              <a:r>
+                <a:rPr lang="en-US" sz="750" dirty="0"/>
+                <a:t>Metadata Reports</a:t>
+              </a:r>
+            </a:p>
+          </p:txBody>
+        </p:sp>
+      </p:grpSp>
+      <p:grpSp>
+        <p:nvGrpSpPr>
+          <p:cNvPr id="149" name="Group 148">
+            <a:extLst>
+              <a:ext uri="{FF2B5EF4-FFF2-40B4-BE49-F238E27FC236}">
+                <a16:creationId xmlns:a16="http://schemas.microsoft.com/office/drawing/2014/main" id="{407AA6A9-5BDD-C74A-BBA0-FBD9732E39C2}"/>
+              </a:ext>
+            </a:extLst>
+          </p:cNvPr>
+          <p:cNvGrpSpPr/>
+          <p:nvPr/>
+        </p:nvGrpSpPr>
+        <p:grpSpPr>
+          <a:xfrm>
+            <a:off x="5515465" y="2319809"/>
+            <a:ext cx="616142" cy="342693"/>
+            <a:chOff x="1285389" y="2358210"/>
+            <a:chExt cx="616142" cy="342693"/>
+          </a:xfrm>
+        </p:grpSpPr>
+        <p:sp>
+          <p:nvSpPr>
+            <p:cNvPr id="150" name="Rounded Rectangle 149">
+              <a:extLst>
+                <a:ext uri="{FF2B5EF4-FFF2-40B4-BE49-F238E27FC236}">
+                  <a16:creationId xmlns:a16="http://schemas.microsoft.com/office/drawing/2014/main" id="{DFF81881-DC9F-034E-860F-F115CCA70BDC}"/>
+                </a:ext>
+              </a:extLst>
+            </p:cNvPr>
+            <p:cNvSpPr/>
+            <p:nvPr/>
+          </p:nvSpPr>
+          <p:spPr bwMode="auto">
+            <a:xfrm>
+              <a:off x="1310117" y="2358210"/>
+              <a:ext cx="571285" cy="342693"/>
+            </a:xfrm>
+            <a:prstGeom prst="roundRect">
+              <a:avLst/>
+            </a:prstGeom>
+            <a:solidFill>
+              <a:srgbClr val="E7F6FF"/>
+            </a:solidFill>
+            <a:ln w="9525" cap="flat" cmpd="sng" algn="ctr">
+              <a:noFill/>
+              <a:prstDash val="solid"/>
+              <a:round/>
+              <a:headEnd type="none" w="med" len="med"/>
+              <a:tailEnd type="none" w="med" len="med"/>
+            </a:ln>
+            <a:effectLst/>
+            <a:extLst/>
+          </p:spPr>
+          <p:txBody>
+            <a:bodyPr vert="horz" wrap="none" lIns="68580" tIns="34290" rIns="68580" bIns="34290" numCol="1" rtlCol="0" anchor="ctr" anchorCtr="0" compatLnSpc="1">
+              <a:prstTxWarp prst="textNoShape">
+                <a:avLst/>
+              </a:prstTxWarp>
+            </a:bodyPr>
+            <a:lstStyle/>
+            <a:p>
+              <a:pPr algn="ctr" defTabSz="685800" eaLnBrk="0" fontAlgn="base" hangingPunct="0">
+                <a:spcBef>
+                  <a:spcPct val="0"/>
+                </a:spcBef>
+                <a:spcAft>
+                  <a:spcPct val="0"/>
+                </a:spcAft>
+              </a:pPr>
+              <a:endParaRPr lang="en-US" sz="750">
+                <a:solidFill>
+                  <a:srgbClr val="000000"/>
+                </a:solidFill>
+                <a:latin typeface="Arial" charset="0"/>
+              </a:endParaRPr>
+            </a:p>
+          </p:txBody>
+        </p:sp>
+        <p:sp>
+          <p:nvSpPr>
+            <p:cNvPr id="151" name="TextBox 150">
+              <a:extLst>
+                <a:ext uri="{FF2B5EF4-FFF2-40B4-BE49-F238E27FC236}">
+                  <a16:creationId xmlns:a16="http://schemas.microsoft.com/office/drawing/2014/main" id="{99820A45-EAAA-D148-B67D-091E561CF021}"/>
+                </a:ext>
+              </a:extLst>
+            </p:cNvPr>
+            <p:cNvSpPr txBox="1"/>
+            <p:nvPr/>
+          </p:nvSpPr>
+          <p:spPr>
+            <a:xfrm>
+              <a:off x="1285389" y="2366457"/>
+              <a:ext cx="616142" cy="323165"/>
+            </a:xfrm>
+            <a:prstGeom prst="rect">
+              <a:avLst/>
+            </a:prstGeom>
+            <a:noFill/>
+            <a:ln>
+              <a:noFill/>
+            </a:ln>
+          </p:spPr>
+          <p:txBody>
+            <a:bodyPr wrap="square" rtlCol="0">
+              <a:spAutoFit/>
+            </a:bodyPr>
+            <a:lstStyle/>
+            <a:p>
+              <a:pPr algn="ctr"/>
+              <a:r>
+                <a:rPr lang="en-US" sz="750" dirty="0"/>
+                <a:t>Metadata Reports</a:t>
+              </a:r>
+            </a:p>
+          </p:txBody>
+        </p:sp>
+      </p:grpSp>
     </p:spTree>
     <p:extLst>
       <p:ext uri="{BB962C8B-B14F-4D97-AF65-F5344CB8AC3E}">
-        <p14:creationId xmlns:p14="http://schemas.microsoft.com/office/powerpoint/2010/main" val="177737663"/>
+        <p14:creationId xmlns:p14="http://schemas.microsoft.com/office/powerpoint/2010/main" val="899407209"/>
       </p:ext>
     </p:extLst>
   </p:cSld>
@@ -27012,7 +28489,7 @@
 </p:sld>
 </file>
 
-<file path=ppt/slides/slide6.xml><?xml version="1.0" encoding="utf-8"?>
+<file path=ppt/slides/slide7.xml><?xml version="1.0" encoding="utf-8"?>
 <p:sld xmlns:a="http://schemas.openxmlformats.org/drawingml/2006/main" xmlns:r="http://schemas.openxmlformats.org/officeDocument/2006/relationships" xmlns:p="http://schemas.openxmlformats.org/presentationml/2006/main">
   <p:cSld>
     <p:spTree>
@@ -27504,7 +28981,7 @@
 </p:sld>
 </file>
 
-<file path=ppt/slides/slide7.xml><?xml version="1.0" encoding="utf-8"?>
+<file path=ppt/slides/slide8.xml><?xml version="1.0" encoding="utf-8"?>
 <p:sld xmlns:a="http://schemas.openxmlformats.org/drawingml/2006/main" xmlns:r="http://schemas.openxmlformats.org/officeDocument/2006/relationships" xmlns:p="http://schemas.openxmlformats.org/presentationml/2006/main">
   <p:cSld>
     <p:spTree>
@@ -27701,7 +29178,7 @@
 </p:sld>
 </file>
 
-<file path=ppt/slides/slide8.xml><?xml version="1.0" encoding="utf-8"?>
+<file path=ppt/slides/slide9.xml><?xml version="1.0" encoding="utf-8"?>
 <p:sld xmlns:a="http://schemas.openxmlformats.org/drawingml/2006/main" xmlns:r="http://schemas.openxmlformats.org/officeDocument/2006/relationships" xmlns:p="http://schemas.openxmlformats.org/presentationml/2006/main">
   <p:cSld>
     <p:spTree>
@@ -29637,545 +31114,6 @@
     <p:extLst>
       <p:ext uri="{BB962C8B-B14F-4D97-AF65-F5344CB8AC3E}">
         <p14:creationId xmlns:p14="http://schemas.microsoft.com/office/powerpoint/2010/main" val="911979499"/>
-      </p:ext>
-    </p:extLst>
-  </p:cSld>
-  <p:clrMapOvr>
-    <a:masterClrMapping/>
-  </p:clrMapOvr>
-</p:sld>
-</file>
-
-<file path=ppt/slides/slide9.xml><?xml version="1.0" encoding="utf-8"?>
-<p:sld xmlns:a="http://schemas.openxmlformats.org/drawingml/2006/main" xmlns:r="http://schemas.openxmlformats.org/officeDocument/2006/relationships" xmlns:p="http://schemas.openxmlformats.org/presentationml/2006/main">
-  <p:cSld>
-    <p:spTree>
-      <p:nvGrpSpPr>
-        <p:cNvPr id="1" name=""/>
-        <p:cNvGrpSpPr/>
-        <p:nvPr/>
-      </p:nvGrpSpPr>
-      <p:grpSpPr>
-        <a:xfrm>
-          <a:off x="0" y="0"/>
-          <a:ext cx="0" cy="0"/>
-          <a:chOff x="0" y="0"/>
-          <a:chExt cx="0" cy="0"/>
-        </a:xfrm>
-      </p:grpSpPr>
-      <p:sp>
-        <p:nvSpPr>
-          <p:cNvPr id="35843" name="Rectangle 2"/>
-          <p:cNvSpPr>
-            <a:spLocks noGrp="1"/>
-          </p:cNvSpPr>
-          <p:nvPr>
-            <p:ph type="title"/>
-          </p:nvPr>
-        </p:nvSpPr>
-        <p:spPr>
-          <a:xfrm>
-            <a:off x="1401287" y="0"/>
-            <a:ext cx="7410469" cy="689429"/>
-          </a:xfrm>
-        </p:spPr>
-        <p:txBody>
-          <a:bodyPr/>
-          <a:lstStyle/>
-          <a:p>
-            <a:pPr eaLnBrk="1" hangingPunct="1"/>
-            <a:r>
-              <a:rPr lang="en-US" dirty="0">
-                <a:solidFill>
-                  <a:schemeClr val="bg1"/>
-                </a:solidFill>
-              </a:rPr>
-              <a:t>The Basics</a:t>
-            </a:r>
-          </a:p>
-        </p:txBody>
-      </p:sp>
-      <p:sp>
-        <p:nvSpPr>
-          <p:cNvPr id="35844" name="Rectangle 3"/>
-          <p:cNvSpPr>
-            <a:spLocks noGrp="1"/>
-          </p:cNvSpPr>
-          <p:nvPr>
-            <p:ph type="body" idx="1"/>
-          </p:nvPr>
-        </p:nvSpPr>
-        <p:spPr>
-          <a:xfrm>
-            <a:off x="230833" y="767740"/>
-            <a:ext cx="8828500" cy="3838653"/>
-          </a:xfrm>
-        </p:spPr>
-        <p:txBody>
-          <a:bodyPr>
-            <a:noAutofit/>
-          </a:bodyPr>
-          <a:lstStyle/>
-          <a:p>
-            <a:pPr eaLnBrk="1" hangingPunct="1">
-              <a:lnSpc>
-                <a:spcPct val="120000"/>
-              </a:lnSpc>
-              <a:spcBef>
-                <a:spcPct val="0"/>
-              </a:spcBef>
-              <a:buClr>
-                <a:srgbClr val="0070C0"/>
-              </a:buClr>
-            </a:pPr>
-            <a:r>
-              <a:rPr lang="en-US" sz="2000" dirty="0">
-                <a:solidFill>
-                  <a:srgbClr val="043764"/>
-                </a:solidFill>
-              </a:rPr>
-              <a:t>All events including user, administration and internal are logged</a:t>
-            </a:r>
-          </a:p>
-          <a:p>
-            <a:pPr lvl="1" eaLnBrk="1" hangingPunct="1">
-              <a:lnSpc>
-                <a:spcPct val="120000"/>
-              </a:lnSpc>
-              <a:spcBef>
-                <a:spcPct val="0"/>
-              </a:spcBef>
-              <a:buClr>
-                <a:srgbClr val="0070C0"/>
-              </a:buClr>
-              <a:buFont typeface="Courier New" charset="0"/>
-              <a:buChar char="o"/>
-            </a:pPr>
-            <a:r>
-              <a:rPr lang="en-US" sz="1600" dirty="0">
-                <a:solidFill>
-                  <a:srgbClr val="043764"/>
-                </a:solidFill>
-              </a:rPr>
-              <a:t>The more active DV is, the more events are produced resulting in more metrics data.</a:t>
-            </a:r>
-          </a:p>
-          <a:p>
-            <a:pPr lvl="1" eaLnBrk="1" hangingPunct="1">
-              <a:lnSpc>
-                <a:spcPct val="120000"/>
-              </a:lnSpc>
-              <a:spcBef>
-                <a:spcPct val="0"/>
-              </a:spcBef>
-              <a:buClr>
-                <a:srgbClr val="0070C0"/>
-              </a:buClr>
-              <a:buFont typeface="Courier New" charset="0"/>
-              <a:buChar char="o"/>
-            </a:pPr>
-            <a:r>
-              <a:rPr lang="en-US" sz="1600" dirty="0">
-                <a:solidFill>
-                  <a:srgbClr val="043764"/>
-                </a:solidFill>
-              </a:rPr>
-              <a:t>Over time, the database and DV may start to slow down with added data.</a:t>
-            </a:r>
-          </a:p>
-          <a:p>
-            <a:pPr lvl="1" eaLnBrk="1" hangingPunct="1">
-              <a:lnSpc>
-                <a:spcPct val="120000"/>
-              </a:lnSpc>
-              <a:spcBef>
-                <a:spcPct val="0"/>
-              </a:spcBef>
-              <a:buClr>
-                <a:srgbClr val="0070C0"/>
-              </a:buClr>
-              <a:buFont typeface="Courier New" charset="0"/>
-              <a:buChar char="o"/>
-            </a:pPr>
-            <a:r>
-              <a:rPr lang="en-US" sz="1600" dirty="0">
-                <a:solidFill>
-                  <a:srgbClr val="043764"/>
-                </a:solidFill>
-              </a:rPr>
-              <a:t>Indexes will slow down the inserts.</a:t>
-            </a:r>
-          </a:p>
-          <a:p>
-            <a:pPr eaLnBrk="1" hangingPunct="1">
-              <a:lnSpc>
-                <a:spcPct val="120000"/>
-              </a:lnSpc>
-              <a:spcBef>
-                <a:spcPct val="0"/>
-              </a:spcBef>
-              <a:buClr>
-                <a:srgbClr val="0070C0"/>
-              </a:buClr>
-            </a:pPr>
-            <a:r>
-              <a:rPr lang="en-US" sz="2000" dirty="0">
-                <a:solidFill>
-                  <a:srgbClr val="043764"/>
-                </a:solidFill>
-              </a:rPr>
-              <a:t>Purging</a:t>
-            </a:r>
-          </a:p>
-          <a:p>
-            <a:pPr lvl="1" eaLnBrk="1" hangingPunct="1">
-              <a:lnSpc>
-                <a:spcPct val="120000"/>
-              </a:lnSpc>
-              <a:spcBef>
-                <a:spcPct val="0"/>
-              </a:spcBef>
-              <a:buClr>
-                <a:srgbClr val="0070C0"/>
-              </a:buClr>
-              <a:buFont typeface="Courier New" charset="0"/>
-              <a:buChar char="o"/>
-            </a:pPr>
-            <a:r>
-              <a:rPr lang="en-US" sz="1600" dirty="0">
-                <a:solidFill>
-                  <a:srgbClr val="043764"/>
-                </a:solidFill>
-              </a:rPr>
-              <a:t>Purging is based on a “delete statement” which requires database overhead.</a:t>
-            </a:r>
-          </a:p>
-          <a:p>
-            <a:pPr lvl="1" eaLnBrk="1" hangingPunct="1">
-              <a:lnSpc>
-                <a:spcPct val="120000"/>
-              </a:lnSpc>
-              <a:spcBef>
-                <a:spcPct val="0"/>
-              </a:spcBef>
-              <a:buClr>
-                <a:srgbClr val="0070C0"/>
-              </a:buClr>
-              <a:buFont typeface="Courier New" charset="0"/>
-              <a:buChar char="o"/>
-            </a:pPr>
-            <a:r>
-              <a:rPr lang="en-US" sz="1600" dirty="0">
-                <a:solidFill>
-                  <a:srgbClr val="043764"/>
-                </a:solidFill>
-              </a:rPr>
-              <a:t>The more data you have the longer this operation will take.</a:t>
-            </a:r>
-          </a:p>
-          <a:p>
-            <a:pPr lvl="1" eaLnBrk="1" hangingPunct="1">
-              <a:lnSpc>
-                <a:spcPct val="120000"/>
-              </a:lnSpc>
-              <a:spcBef>
-                <a:spcPct val="0"/>
-              </a:spcBef>
-              <a:buClr>
-                <a:srgbClr val="0070C0"/>
-              </a:buClr>
-              <a:buFont typeface="Courier New" charset="0"/>
-              <a:buChar char="o"/>
-            </a:pPr>
-            <a:r>
-              <a:rPr lang="en-US" sz="1600" dirty="0">
-                <a:solidFill>
-                  <a:srgbClr val="043764"/>
-                </a:solidFill>
-              </a:rPr>
-              <a:t>Indexes will slow down the deletes.</a:t>
-            </a:r>
-          </a:p>
-          <a:p>
-            <a:pPr eaLnBrk="1" hangingPunct="1">
-              <a:lnSpc>
-                <a:spcPct val="120000"/>
-              </a:lnSpc>
-              <a:spcBef>
-                <a:spcPct val="0"/>
-              </a:spcBef>
-              <a:buClr>
-                <a:srgbClr val="0070C0"/>
-              </a:buClr>
-            </a:pPr>
-            <a:r>
-              <a:rPr lang="en-US" sz="2000" dirty="0">
-                <a:solidFill>
-                  <a:srgbClr val="043764"/>
-                </a:solidFill>
-              </a:rPr>
-              <a:t>Metrics Backup</a:t>
-            </a:r>
-          </a:p>
-          <a:p>
-            <a:pPr lvl="1" eaLnBrk="1" hangingPunct="1">
-              <a:lnSpc>
-                <a:spcPct val="120000"/>
-              </a:lnSpc>
-              <a:spcBef>
-                <a:spcPct val="0"/>
-              </a:spcBef>
-              <a:buClr>
-                <a:srgbClr val="0070C0"/>
-              </a:buClr>
-              <a:buFont typeface="Courier New" charset="0"/>
-              <a:buChar char="o"/>
-            </a:pPr>
-            <a:r>
-              <a:rPr lang="en-US" sz="1600" dirty="0">
-                <a:solidFill>
-                  <a:srgbClr val="043764"/>
-                </a:solidFill>
-              </a:rPr>
-              <a:t>When metrics is turned on but it is </a:t>
-            </a:r>
-            <a:r>
-              <a:rPr lang="en-US" sz="1600">
-                <a:solidFill>
-                  <a:srgbClr val="043764"/>
-                </a:solidFill>
-              </a:rPr>
-              <a:t>not able </a:t>
-            </a:r>
-            <a:r>
-              <a:rPr lang="en-US" sz="1600" dirty="0">
-                <a:solidFill>
-                  <a:srgbClr val="043764"/>
-                </a:solidFill>
-              </a:rPr>
-              <a:t>to write data to the database is stores the data on the local DV file system in DV_HOME/</a:t>
-            </a:r>
-            <a:r>
-              <a:rPr lang="en-US" sz="1600" dirty="0" err="1">
-                <a:solidFill>
-                  <a:srgbClr val="043764"/>
-                </a:solidFill>
-              </a:rPr>
-              <a:t>tmp</a:t>
-            </a:r>
-            <a:r>
-              <a:rPr lang="en-US" sz="1600" dirty="0">
-                <a:solidFill>
-                  <a:srgbClr val="043764"/>
-                </a:solidFill>
-              </a:rPr>
-              <a:t>/metrics storage</a:t>
-            </a:r>
-          </a:p>
-          <a:p>
-            <a:pPr lvl="1">
-              <a:lnSpc>
-                <a:spcPct val="120000"/>
-              </a:lnSpc>
-              <a:spcBef>
-                <a:spcPct val="0"/>
-              </a:spcBef>
-              <a:buClr>
-                <a:srgbClr val="0070C0"/>
-              </a:buClr>
-              <a:buFont typeface="Courier New" charset="0"/>
-              <a:buChar char="o"/>
-            </a:pPr>
-            <a:r>
-              <a:rPr lang="en-US" sz="1600" dirty="0">
-                <a:solidFill>
-                  <a:srgbClr val="043764"/>
-                </a:solidFill>
-              </a:rPr>
-              <a:t>Once database issues are cleared up, it performs a massive insert from DV_HOME/</a:t>
-            </a:r>
-            <a:r>
-              <a:rPr lang="en-US" sz="1600" dirty="0" err="1">
-                <a:solidFill>
-                  <a:srgbClr val="043764"/>
-                </a:solidFill>
-              </a:rPr>
-              <a:t>tmp</a:t>
-            </a:r>
-            <a:r>
-              <a:rPr lang="en-US" sz="1600" dirty="0">
-                <a:solidFill>
-                  <a:srgbClr val="043764"/>
-                </a:solidFill>
-              </a:rPr>
-              <a:t>/metrics into the database and deletes from the temp storage.</a:t>
-            </a:r>
-          </a:p>
-        </p:txBody>
-      </p:sp>
-      <p:sp>
-        <p:nvSpPr>
-          <p:cNvPr id="4" name="Footer Placeholder 3"/>
-          <p:cNvSpPr txBox="1">
-            <a:spLocks/>
-          </p:cNvSpPr>
-          <p:nvPr/>
-        </p:nvSpPr>
-        <p:spPr>
-          <a:xfrm>
-            <a:off x="3124200" y="4889181"/>
-            <a:ext cx="2895600" cy="273844"/>
-          </a:xfrm>
-          <a:prstGeom prst="rect">
-            <a:avLst/>
-          </a:prstGeom>
-        </p:spPr>
-        <p:txBody>
-          <a:bodyPr/>
-          <a:lstStyle>
-            <a:defPPr>
-              <a:defRPr lang="en-US"/>
-            </a:defPPr>
-            <a:lvl1pPr marL="0" algn="l" defTabSz="408194" rtl="0" eaLnBrk="1" latinLnBrk="0" hangingPunct="1">
-              <a:defRPr sz="1600" kern="1200">
-                <a:solidFill>
-                  <a:schemeClr val="tx1"/>
-                </a:solidFill>
-                <a:latin typeface="+mn-lt"/>
-                <a:ea typeface="+mn-ea"/>
-                <a:cs typeface="+mn-cs"/>
-              </a:defRPr>
-            </a:lvl1pPr>
-            <a:lvl2pPr marL="408194" algn="l" defTabSz="408194" rtl="0" eaLnBrk="1" latinLnBrk="0" hangingPunct="1">
-              <a:defRPr sz="1600" kern="1200">
-                <a:solidFill>
-                  <a:schemeClr val="tx1"/>
-                </a:solidFill>
-                <a:latin typeface="+mn-lt"/>
-                <a:ea typeface="+mn-ea"/>
-                <a:cs typeface="+mn-cs"/>
-              </a:defRPr>
-            </a:lvl2pPr>
-            <a:lvl3pPr marL="816388" algn="l" defTabSz="408194" rtl="0" eaLnBrk="1" latinLnBrk="0" hangingPunct="1">
-              <a:defRPr sz="1600" kern="1200">
-                <a:solidFill>
-                  <a:schemeClr val="tx1"/>
-                </a:solidFill>
-                <a:latin typeface="+mn-lt"/>
-                <a:ea typeface="+mn-ea"/>
-                <a:cs typeface="+mn-cs"/>
-              </a:defRPr>
-            </a:lvl3pPr>
-            <a:lvl4pPr marL="1224582" algn="l" defTabSz="408194" rtl="0" eaLnBrk="1" latinLnBrk="0" hangingPunct="1">
-              <a:defRPr sz="1600" kern="1200">
-                <a:solidFill>
-                  <a:schemeClr val="tx1"/>
-                </a:solidFill>
-                <a:latin typeface="+mn-lt"/>
-                <a:ea typeface="+mn-ea"/>
-                <a:cs typeface="+mn-cs"/>
-              </a:defRPr>
-            </a:lvl4pPr>
-            <a:lvl5pPr marL="1632776" algn="l" defTabSz="408194" rtl="0" eaLnBrk="1" latinLnBrk="0" hangingPunct="1">
-              <a:defRPr sz="1600" kern="1200">
-                <a:solidFill>
-                  <a:schemeClr val="tx1"/>
-                </a:solidFill>
-                <a:latin typeface="+mn-lt"/>
-                <a:ea typeface="+mn-ea"/>
-                <a:cs typeface="+mn-cs"/>
-              </a:defRPr>
-            </a:lvl5pPr>
-            <a:lvl6pPr marL="2040969" algn="l" defTabSz="408194" rtl="0" eaLnBrk="1" latinLnBrk="0" hangingPunct="1">
-              <a:defRPr sz="1600" kern="1200">
-                <a:solidFill>
-                  <a:schemeClr val="tx1"/>
-                </a:solidFill>
-                <a:latin typeface="+mn-lt"/>
-                <a:ea typeface="+mn-ea"/>
-                <a:cs typeface="+mn-cs"/>
-              </a:defRPr>
-            </a:lvl6pPr>
-            <a:lvl7pPr marL="2449163" algn="l" defTabSz="408194" rtl="0" eaLnBrk="1" latinLnBrk="0" hangingPunct="1">
-              <a:defRPr sz="1600" kern="1200">
-                <a:solidFill>
-                  <a:schemeClr val="tx1"/>
-                </a:solidFill>
-                <a:latin typeface="+mn-lt"/>
-                <a:ea typeface="+mn-ea"/>
-                <a:cs typeface="+mn-cs"/>
-              </a:defRPr>
-            </a:lvl7pPr>
-            <a:lvl8pPr marL="2857357" algn="l" defTabSz="408194" rtl="0" eaLnBrk="1" latinLnBrk="0" hangingPunct="1">
-              <a:defRPr sz="1600" kern="1200">
-                <a:solidFill>
-                  <a:schemeClr val="tx1"/>
-                </a:solidFill>
-                <a:latin typeface="+mn-lt"/>
-                <a:ea typeface="+mn-ea"/>
-                <a:cs typeface="+mn-cs"/>
-              </a:defRPr>
-            </a:lvl8pPr>
-            <a:lvl9pPr marL="3265551" algn="l" defTabSz="408194" rtl="0" eaLnBrk="1" latinLnBrk="0" hangingPunct="1">
-              <a:defRPr sz="1600" kern="1200">
-                <a:solidFill>
-                  <a:schemeClr val="tx1"/>
-                </a:solidFill>
-                <a:latin typeface="+mn-lt"/>
-                <a:ea typeface="+mn-ea"/>
-                <a:cs typeface="+mn-cs"/>
-              </a:defRPr>
-            </a:lvl9pPr>
-          </a:lstStyle>
-          <a:p>
-            <a:pPr algn="ctr"/>
-            <a:r>
-              <a:rPr lang="en-US" sz="800" dirty="0">
-                <a:solidFill>
-                  <a:schemeClr val="bg1">
-                    <a:lumMod val="65000"/>
-                  </a:schemeClr>
-                </a:solidFill>
-              </a:rPr>
-              <a:t>© Copyright 2000-</a:t>
-            </a:r>
-            <a:r>
-              <a:rPr lang="is-IS" sz="800">
-                <a:solidFill>
-                  <a:schemeClr val="bg1">
-                    <a:lumMod val="65000"/>
-                  </a:schemeClr>
-                </a:solidFill>
-              </a:rPr>
-              <a:t>2017</a:t>
-            </a:r>
-            <a:r>
-              <a:rPr lang="en-US" sz="800">
-                <a:solidFill>
-                  <a:schemeClr val="bg1">
-                    <a:lumMod val="65000"/>
-                  </a:schemeClr>
-                </a:solidFill>
-              </a:rPr>
-              <a:t> </a:t>
-            </a:r>
-            <a:r>
-              <a:rPr lang="en-US" sz="800" dirty="0">
-                <a:solidFill>
-                  <a:schemeClr val="bg1">
-                    <a:lumMod val="65000"/>
-                  </a:schemeClr>
-                </a:solidFill>
-              </a:rPr>
-              <a:t>TIBCO Software Inc.      </a:t>
-            </a:r>
-          </a:p>
-        </p:txBody>
-      </p:sp>
-    </p:spTree>
-    <p:extLst>
-      <p:ext uri="{BB962C8B-B14F-4D97-AF65-F5344CB8AC3E}">
-        <p14:creationId xmlns:p14="http://schemas.microsoft.com/office/powerpoint/2010/main" val="1345416048"/>
       </p:ext>
     </p:extLst>
   </p:cSld>
